--- a/발표 자료/3차 발표/[스크립트] 2014182004 권오성 과제3.pptx
+++ b/발표 자료/3차 발표/[스크립트] 2014182004 권오성 과제3.pptx
@@ -11,24 +11,26 @@
     <p:sldId id="274" r:id="rId5"/>
     <p:sldId id="276" r:id="rId6"/>
     <p:sldId id="277" r:id="rId7"/>
-    <p:sldId id="269" r:id="rId8"/>
-    <p:sldId id="270" r:id="rId9"/>
+    <p:sldId id="278" r:id="rId8"/>
+    <p:sldId id="269" r:id="rId9"/>
+    <p:sldId id="279" r:id="rId10"/>
+    <p:sldId id="270" r:id="rId11"/>
   </p:sldIdLst>
   <p:sldSz cx="12192000" cy="6858000"/>
   <p:notesSz cx="6858000" cy="9144000"/>
   <p:embeddedFontLst>
     <p:embeddedFont>
       <p:font typeface="HY견명조" panose="02030600000101010101" pitchFamily="18" charset="-127"/>
-      <p:regular r:id="rId10"/>
+      <p:regular r:id="rId12"/>
     </p:embeddedFont>
     <p:embeddedFont>
       <p:font typeface="맑은 고딕" panose="020B0503020000020004" pitchFamily="50" charset="-127"/>
-      <p:regular r:id="rId11"/>
-      <p:bold r:id="rId12"/>
+      <p:regular r:id="rId13"/>
+      <p:bold r:id="rId14"/>
     </p:embeddedFont>
     <p:embeddedFont>
       <p:font typeface="휴먼모음T" panose="02030504000101010101" pitchFamily="18" charset="-127"/>
-      <p:regular r:id="rId13"/>
+      <p:regular r:id="rId15"/>
     </p:embeddedFont>
   </p:embeddedFontLst>
   <p:defaultTextStyle>
@@ -274,7 +276,7 @@
           <a:p>
             <a:fld id="{BDA66A62-4D8D-4B4A-8FC1-B2FB5A3CC144}" type="datetimeFigureOut">
               <a:rPr lang="ko-KR" altLang="en-US" smtClean="0"/>
-              <a:t>2018-06-07</a:t>
+              <a:t>2018-06-08</a:t>
             </a:fld>
             <a:endParaRPr lang="ko-KR" altLang="en-US"/>
           </a:p>
@@ -442,7 +444,7 @@
           <a:p>
             <a:fld id="{BDA66A62-4D8D-4B4A-8FC1-B2FB5A3CC144}" type="datetimeFigureOut">
               <a:rPr lang="ko-KR" altLang="en-US" smtClean="0"/>
-              <a:t>2018-06-07</a:t>
+              <a:t>2018-06-08</a:t>
             </a:fld>
             <a:endParaRPr lang="ko-KR" altLang="en-US"/>
           </a:p>
@@ -620,7 +622,7 @@
           <a:p>
             <a:fld id="{BDA66A62-4D8D-4B4A-8FC1-B2FB5A3CC144}" type="datetimeFigureOut">
               <a:rPr lang="ko-KR" altLang="en-US" smtClean="0"/>
-              <a:t>2018-06-07</a:t>
+              <a:t>2018-06-08</a:t>
             </a:fld>
             <a:endParaRPr lang="ko-KR" altLang="en-US"/>
           </a:p>
@@ -788,7 +790,7 @@
           <a:p>
             <a:fld id="{BDA66A62-4D8D-4B4A-8FC1-B2FB5A3CC144}" type="datetimeFigureOut">
               <a:rPr lang="ko-KR" altLang="en-US" smtClean="0"/>
-              <a:t>2018-06-07</a:t>
+              <a:t>2018-06-08</a:t>
             </a:fld>
             <a:endParaRPr lang="ko-KR" altLang="en-US"/>
           </a:p>
@@ -1033,7 +1035,7 @@
           <a:p>
             <a:fld id="{BDA66A62-4D8D-4B4A-8FC1-B2FB5A3CC144}" type="datetimeFigureOut">
               <a:rPr lang="ko-KR" altLang="en-US" smtClean="0"/>
-              <a:t>2018-06-07</a:t>
+              <a:t>2018-06-08</a:t>
             </a:fld>
             <a:endParaRPr lang="ko-KR" altLang="en-US"/>
           </a:p>
@@ -1262,7 +1264,7 @@
           <a:p>
             <a:fld id="{BDA66A62-4D8D-4B4A-8FC1-B2FB5A3CC144}" type="datetimeFigureOut">
               <a:rPr lang="ko-KR" altLang="en-US" smtClean="0"/>
-              <a:t>2018-06-07</a:t>
+              <a:t>2018-06-08</a:t>
             </a:fld>
             <a:endParaRPr lang="ko-KR" altLang="en-US"/>
           </a:p>
@@ -1626,7 +1628,7 @@
           <a:p>
             <a:fld id="{BDA66A62-4D8D-4B4A-8FC1-B2FB5A3CC144}" type="datetimeFigureOut">
               <a:rPr lang="ko-KR" altLang="en-US" smtClean="0"/>
-              <a:t>2018-06-07</a:t>
+              <a:t>2018-06-08</a:t>
             </a:fld>
             <a:endParaRPr lang="ko-KR" altLang="en-US"/>
           </a:p>
@@ -1743,7 +1745,7 @@
           <a:p>
             <a:fld id="{BDA66A62-4D8D-4B4A-8FC1-B2FB5A3CC144}" type="datetimeFigureOut">
               <a:rPr lang="ko-KR" altLang="en-US" smtClean="0"/>
-              <a:t>2018-06-07</a:t>
+              <a:t>2018-06-08</a:t>
             </a:fld>
             <a:endParaRPr lang="ko-KR" altLang="en-US"/>
           </a:p>
@@ -1838,7 +1840,7 @@
           <a:p>
             <a:fld id="{BDA66A62-4D8D-4B4A-8FC1-B2FB5A3CC144}" type="datetimeFigureOut">
               <a:rPr lang="ko-KR" altLang="en-US" smtClean="0"/>
-              <a:t>2018-06-07</a:t>
+              <a:t>2018-06-08</a:t>
             </a:fld>
             <a:endParaRPr lang="ko-KR" altLang="en-US"/>
           </a:p>
@@ -2113,7 +2115,7 @@
           <a:p>
             <a:fld id="{BDA66A62-4D8D-4B4A-8FC1-B2FB5A3CC144}" type="datetimeFigureOut">
               <a:rPr lang="ko-KR" altLang="en-US" smtClean="0"/>
-              <a:t>2018-06-07</a:t>
+              <a:t>2018-06-08</a:t>
             </a:fld>
             <a:endParaRPr lang="ko-KR" altLang="en-US"/>
           </a:p>
@@ -2365,7 +2367,7 @@
           <a:p>
             <a:fld id="{BDA66A62-4D8D-4B4A-8FC1-B2FB5A3CC144}" type="datetimeFigureOut">
               <a:rPr lang="ko-KR" altLang="en-US" smtClean="0"/>
-              <a:t>2018-06-07</a:t>
+              <a:t>2018-06-08</a:t>
             </a:fld>
             <a:endParaRPr lang="ko-KR" altLang="en-US"/>
           </a:p>
@@ -2579,7 +2581,7 @@
           <a:p>
             <a:fld id="{BDA66A62-4D8D-4B4A-8FC1-B2FB5A3CC144}" type="datetimeFigureOut">
               <a:rPr lang="ko-KR" altLang="en-US" smtClean="0"/>
-              <a:t>2018-06-07</a:t>
+              <a:t>2018-06-08</a:t>
             </a:fld>
             <a:endParaRPr lang="ko-KR" altLang="en-US"/>
           </a:p>
@@ -3338,6 +3340,354 @@
 </p:sld>
 </file>
 
+<file path=ppt/slides/slide10.xml><?xml version="1.0" encoding="utf-8"?>
+<p:sld xmlns:a="http://schemas.openxmlformats.org/drawingml/2006/main" xmlns:r="http://schemas.openxmlformats.org/officeDocument/2006/relationships" xmlns:p="http://schemas.openxmlformats.org/presentationml/2006/main">
+  <p:cSld>
+    <p:spTree>
+      <p:nvGrpSpPr>
+        <p:cNvPr id="1" name=""/>
+        <p:cNvGrpSpPr/>
+        <p:nvPr/>
+      </p:nvGrpSpPr>
+      <p:grpSpPr>
+        <a:xfrm>
+          <a:off x="0" y="0"/>
+          <a:ext cx="0" cy="0"/>
+          <a:chOff x="0" y="0"/>
+          <a:chExt cx="0" cy="0"/>
+        </a:xfrm>
+      </p:grpSpPr>
+      <p:grpSp>
+        <p:nvGrpSpPr>
+          <p:cNvPr id="24" name="그룹 23"/>
+          <p:cNvGrpSpPr/>
+          <p:nvPr/>
+        </p:nvGrpSpPr>
+        <p:grpSpPr>
+          <a:xfrm>
+            <a:off x="2797719" y="2740059"/>
+            <a:ext cx="6587060" cy="1446291"/>
+            <a:chOff x="2798154" y="3677660"/>
+            <a:chExt cx="6587060" cy="1446291"/>
+          </a:xfrm>
+        </p:grpSpPr>
+        <p:cxnSp>
+          <p:nvCxnSpPr>
+            <p:cNvPr id="5" name="직선 연결선 4"/>
+            <p:cNvCxnSpPr/>
+            <p:nvPr/>
+          </p:nvCxnSpPr>
+          <p:spPr>
+            <a:xfrm flipV="1">
+              <a:off x="2869795" y="3819669"/>
+              <a:ext cx="2286356" cy="18833"/>
+            </a:xfrm>
+            <a:prstGeom prst="line">
+              <a:avLst/>
+            </a:prstGeom>
+            <a:ln w="31750" cap="rnd">
+              <a:solidFill>
+                <a:srgbClr val="565658"/>
+              </a:solidFill>
+              <a:round/>
+            </a:ln>
+          </p:spPr>
+          <p:style>
+            <a:lnRef idx="1">
+              <a:schemeClr val="accent1"/>
+            </a:lnRef>
+            <a:fillRef idx="0">
+              <a:schemeClr val="accent1"/>
+            </a:fillRef>
+            <a:effectRef idx="0">
+              <a:schemeClr val="accent1"/>
+            </a:effectRef>
+            <a:fontRef idx="minor">
+              <a:schemeClr val="tx1"/>
+            </a:fontRef>
+          </p:style>
+        </p:cxnSp>
+        <p:sp>
+          <p:nvSpPr>
+            <p:cNvPr id="7" name="TextBox 6"/>
+            <p:cNvSpPr txBox="1"/>
+            <p:nvPr/>
+          </p:nvSpPr>
+          <p:spPr>
+            <a:xfrm>
+              <a:off x="2798154" y="4016085"/>
+              <a:ext cx="6587060" cy="769441"/>
+            </a:xfrm>
+            <a:prstGeom prst="rect">
+              <a:avLst/>
+            </a:prstGeom>
+            <a:noFill/>
+            <a:scene3d>
+              <a:camera prst="obliqueTopLeft"/>
+              <a:lightRig rig="threePt" dir="t"/>
+            </a:scene3d>
+          </p:spPr>
+          <p:txBody>
+            <a:bodyPr wrap="none" rtlCol="0">
+              <a:spAutoFit/>
+            </a:bodyPr>
+            <a:lstStyle/>
+            <a:p>
+              <a:r>
+                <a:rPr lang="ko-KR" altLang="en-US" sz="4400" dirty="0">
+                  <a:solidFill>
+                    <a:srgbClr val="565658"/>
+                  </a:solidFill>
+                  <a:latin typeface="210 콤퓨타세탁 L" panose="02020603020101020101" pitchFamily="18" charset="-127"/>
+                  <a:ea typeface="210 콤퓨타세탁 L" panose="02020603020101020101" pitchFamily="18" charset="-127"/>
+                </a:rPr>
+                <a:t>발표 </a:t>
+              </a:r>
+              <a:r>
+                <a:rPr lang="ko-KR" altLang="en-US" sz="4400" dirty="0">
+                  <a:solidFill>
+                    <a:srgbClr val="2BA3DA"/>
+                  </a:solidFill>
+                  <a:latin typeface="210 콤퓨타세탁 L" panose="02020603020101020101" pitchFamily="18" charset="-127"/>
+                  <a:ea typeface="210 콤퓨타세탁 L" panose="02020603020101020101" pitchFamily="18" charset="-127"/>
+                </a:rPr>
+                <a:t>들</a:t>
+              </a:r>
+              <a:r>
+                <a:rPr lang="ko-KR" altLang="en-US" sz="4400" dirty="0">
+                  <a:solidFill>
+                    <a:srgbClr val="7FC541"/>
+                  </a:solidFill>
+                  <a:latin typeface="210 콤퓨타세탁 L" panose="02020603020101020101" pitchFamily="18" charset="-127"/>
+                  <a:ea typeface="210 콤퓨타세탁 L" panose="02020603020101020101" pitchFamily="18" charset="-127"/>
+                </a:rPr>
+                <a:t>어</a:t>
+              </a:r>
+              <a:r>
+                <a:rPr lang="ko-KR" altLang="en-US" sz="4400" dirty="0">
+                  <a:solidFill>
+                    <a:srgbClr val="E75C35"/>
+                  </a:solidFill>
+                  <a:latin typeface="210 콤퓨타세탁 L" panose="02020603020101020101" pitchFamily="18" charset="-127"/>
+                  <a:ea typeface="210 콤퓨타세탁 L" panose="02020603020101020101" pitchFamily="18" charset="-127"/>
+                </a:rPr>
+                <a:t>주</a:t>
+              </a:r>
+              <a:r>
+                <a:rPr lang="ko-KR" altLang="en-US" sz="4400" dirty="0">
+                  <a:solidFill>
+                    <a:srgbClr val="EA4F9B"/>
+                  </a:solidFill>
+                  <a:latin typeface="210 콤퓨타세탁 L" panose="02020603020101020101" pitchFamily="18" charset="-127"/>
+                  <a:ea typeface="210 콤퓨타세탁 L" panose="02020603020101020101" pitchFamily="18" charset="-127"/>
+                </a:rPr>
+                <a:t>셔</a:t>
+              </a:r>
+              <a:r>
+                <a:rPr lang="ko-KR" altLang="en-US" sz="4400" dirty="0">
+                  <a:solidFill>
+                    <a:srgbClr val="EE8F1E"/>
+                  </a:solidFill>
+                  <a:latin typeface="210 콤퓨타세탁 L" panose="02020603020101020101" pitchFamily="18" charset="-127"/>
+                  <a:ea typeface="210 콤퓨타세탁 L" panose="02020603020101020101" pitchFamily="18" charset="-127"/>
+                </a:rPr>
+                <a:t>서</a:t>
+              </a:r>
+              <a:r>
+                <a:rPr lang="ko-KR" altLang="en-US" sz="4400" dirty="0">
+                  <a:solidFill>
+                    <a:srgbClr val="565658"/>
+                  </a:solidFill>
+                  <a:latin typeface="210 콤퓨타세탁 L" panose="02020603020101020101" pitchFamily="18" charset="-127"/>
+                  <a:ea typeface="210 콤퓨타세탁 L" panose="02020603020101020101" pitchFamily="18" charset="-127"/>
+                </a:rPr>
+                <a:t> 감사합니다</a:t>
+              </a:r>
+            </a:p>
+          </p:txBody>
+        </p:sp>
+        <p:cxnSp>
+          <p:nvCxnSpPr>
+            <p:cNvPr id="8" name="직선 연결선 7"/>
+            <p:cNvCxnSpPr/>
+            <p:nvPr/>
+          </p:nvCxnSpPr>
+          <p:spPr>
+            <a:xfrm>
+              <a:off x="2869795" y="5123951"/>
+              <a:ext cx="6324210" cy="0"/>
+            </a:xfrm>
+            <a:prstGeom prst="line">
+              <a:avLst/>
+            </a:prstGeom>
+            <a:ln w="31750" cap="rnd">
+              <a:solidFill>
+                <a:srgbClr val="565658"/>
+              </a:solidFill>
+              <a:round/>
+            </a:ln>
+          </p:spPr>
+          <p:style>
+            <a:lnRef idx="1">
+              <a:schemeClr val="accent1"/>
+            </a:lnRef>
+            <a:fillRef idx="0">
+              <a:schemeClr val="accent1"/>
+            </a:fillRef>
+            <a:effectRef idx="0">
+              <a:schemeClr val="accent1"/>
+            </a:effectRef>
+            <a:fontRef idx="minor">
+              <a:schemeClr val="tx1"/>
+            </a:fontRef>
+          </p:style>
+        </p:cxnSp>
+        <p:sp>
+          <p:nvSpPr>
+            <p:cNvPr id="12" name="TextBox 11"/>
+            <p:cNvSpPr txBox="1"/>
+            <p:nvPr/>
+          </p:nvSpPr>
+          <p:spPr>
+            <a:xfrm>
+              <a:off x="4722871" y="4725001"/>
+              <a:ext cx="2746265" cy="369332"/>
+            </a:xfrm>
+            <a:prstGeom prst="rect">
+              <a:avLst/>
+            </a:prstGeom>
+            <a:noFill/>
+            <a:scene3d>
+              <a:camera prst="obliqueTopLeft"/>
+              <a:lightRig rig="threePt" dir="t"/>
+            </a:scene3d>
+          </p:spPr>
+          <p:txBody>
+            <a:bodyPr wrap="none" rtlCol="0">
+              <a:spAutoFit/>
+            </a:bodyPr>
+            <a:lstStyle/>
+            <a:p>
+              <a:pPr algn="ctr"/>
+              <a:r>
+                <a:rPr lang="ko-KR" altLang="en-US" spc="600" dirty="0">
+                  <a:solidFill>
+                    <a:srgbClr val="565658"/>
+                  </a:solidFill>
+                  <a:latin typeface="210 콤퓨타세탁 L" panose="02020603020101020101" pitchFamily="18" charset="-127"/>
+                  <a:ea typeface="210 콤퓨타세탁 L" panose="02020603020101020101" pitchFamily="18" charset="-127"/>
+                </a:rPr>
+                <a:t>조 이름을 써주세요</a:t>
+              </a:r>
+            </a:p>
+          </p:txBody>
+        </p:sp>
+        <p:sp>
+          <p:nvSpPr>
+            <p:cNvPr id="17" name="TextBox 16"/>
+            <p:cNvSpPr txBox="1"/>
+            <p:nvPr/>
+          </p:nvSpPr>
+          <p:spPr>
+            <a:xfrm>
+              <a:off x="5214188" y="3677660"/>
+              <a:ext cx="1763624" cy="369332"/>
+            </a:xfrm>
+            <a:prstGeom prst="rect">
+              <a:avLst/>
+            </a:prstGeom>
+            <a:noFill/>
+            <a:scene3d>
+              <a:camera prst="obliqueTopLeft"/>
+              <a:lightRig rig="threePt" dir="t"/>
+            </a:scene3d>
+          </p:spPr>
+          <p:txBody>
+            <a:bodyPr wrap="none" rtlCol="0">
+              <a:spAutoFit/>
+            </a:bodyPr>
+            <a:lstStyle/>
+            <a:p>
+              <a:r>
+                <a:rPr lang="ko-KR" altLang="en-US" spc="600" dirty="0">
+                  <a:solidFill>
+                    <a:srgbClr val="565658"/>
+                  </a:solidFill>
+                  <a:latin typeface="210 콤퓨타세탁 L" panose="02020603020101020101" pitchFamily="18" charset="-127"/>
+                  <a:ea typeface="210 콤퓨타세탁 L" panose="02020603020101020101" pitchFamily="18" charset="-127"/>
+                </a:rPr>
+                <a:t>감사합니다</a:t>
+              </a:r>
+              <a:r>
+                <a:rPr lang="en-US" altLang="ko-KR" spc="600" dirty="0">
+                  <a:solidFill>
+                    <a:srgbClr val="565658"/>
+                  </a:solidFill>
+                  <a:latin typeface="210 콤퓨타세탁 L" panose="02020603020101020101" pitchFamily="18" charset="-127"/>
+                  <a:ea typeface="210 콤퓨타세탁 L" panose="02020603020101020101" pitchFamily="18" charset="-127"/>
+                </a:rPr>
+                <a:t>!</a:t>
+              </a:r>
+              <a:endParaRPr lang="ko-KR" altLang="en-US" spc="600" dirty="0">
+                <a:solidFill>
+                  <a:srgbClr val="565658"/>
+                </a:solidFill>
+                <a:latin typeface="210 콤퓨타세탁 L" panose="02020603020101020101" pitchFamily="18" charset="-127"/>
+                <a:ea typeface="210 콤퓨타세탁 L" panose="02020603020101020101" pitchFamily="18" charset="-127"/>
+              </a:endParaRPr>
+            </a:p>
+          </p:txBody>
+        </p:sp>
+        <p:cxnSp>
+          <p:nvCxnSpPr>
+            <p:cNvPr id="23" name="직선 연결선 22"/>
+            <p:cNvCxnSpPr/>
+            <p:nvPr/>
+          </p:nvCxnSpPr>
+          <p:spPr>
+            <a:xfrm flipV="1">
+              <a:off x="6907649" y="3800836"/>
+              <a:ext cx="2286356" cy="18833"/>
+            </a:xfrm>
+            <a:prstGeom prst="line">
+              <a:avLst/>
+            </a:prstGeom>
+            <a:ln w="31750" cap="rnd">
+              <a:solidFill>
+                <a:srgbClr val="565658"/>
+              </a:solidFill>
+              <a:round/>
+            </a:ln>
+          </p:spPr>
+          <p:style>
+            <a:lnRef idx="1">
+              <a:schemeClr val="accent1"/>
+            </a:lnRef>
+            <a:fillRef idx="0">
+              <a:schemeClr val="accent1"/>
+            </a:fillRef>
+            <a:effectRef idx="0">
+              <a:schemeClr val="accent1"/>
+            </a:effectRef>
+            <a:fontRef idx="minor">
+              <a:schemeClr val="tx1"/>
+            </a:fontRef>
+          </p:style>
+        </p:cxnSp>
+      </p:grpSp>
+    </p:spTree>
+    <p:extLst>
+      <p:ext uri="{BB962C8B-B14F-4D97-AF65-F5344CB8AC3E}">
+        <p14:creationId xmlns:p14="http://schemas.microsoft.com/office/powerpoint/2010/main" val="1443488727"/>
+      </p:ext>
+    </p:extLst>
+  </p:cSld>
+  <p:clrMapOvr>
+    <a:masterClrMapping/>
+  </p:clrMapOvr>
+</p:sld>
+</file>
+
 <file path=ppt/slides/slide2.xml><?xml version="1.0" encoding="utf-8"?>
 <p:sld xmlns:a="http://schemas.openxmlformats.org/drawingml/2006/main" xmlns:r="http://schemas.openxmlformats.org/officeDocument/2006/relationships" xmlns:p="http://schemas.openxmlformats.org/presentationml/2006/main">
   <p:cSld>
@@ -3560,7 +3910,7 @@
         </p:nvSpPr>
         <p:spPr>
           <a:xfrm>
-            <a:off x="5516880" y="3708464"/>
+            <a:off x="5607785" y="3429000"/>
             <a:ext cx="1828113" cy="461665"/>
           </a:xfrm>
           <a:prstGeom prst="rect">
@@ -3601,7 +3951,7 @@
         </p:nvSpPr>
         <p:spPr>
           <a:xfrm>
-            <a:off x="4653068" y="4836221"/>
+            <a:off x="4187187" y="5160790"/>
             <a:ext cx="2782830" cy="461665"/>
           </a:xfrm>
           <a:prstGeom prst="rect">
@@ -4181,7 +4531,7 @@
         </p:nvGrpSpPr>
         <p:grpSpPr>
           <a:xfrm>
-            <a:off x="4690658" y="3640921"/>
+            <a:off x="4781563" y="3361457"/>
             <a:ext cx="797039" cy="511870"/>
             <a:chOff x="767992" y="293986"/>
             <a:chExt cx="797039" cy="511870"/>
@@ -4461,7 +4811,7 @@
         </p:nvGrpSpPr>
         <p:grpSpPr>
           <a:xfrm>
-            <a:off x="3792267" y="4765185"/>
+            <a:off x="3326386" y="5089754"/>
             <a:ext cx="797039" cy="511870"/>
             <a:chOff x="767992" y="293986"/>
             <a:chExt cx="797039" cy="511870"/>
@@ -4695,7 +5045,7 @@
           <p:spPr>
             <a:xfrm>
               <a:off x="998446" y="436524"/>
-              <a:ext cx="335348" cy="369332"/>
+              <a:ext cx="311304" cy="369332"/>
             </a:xfrm>
             <a:prstGeom prst="rect">
               <a:avLst/>
@@ -4720,7 +5070,7 @@
                   <a:latin typeface="210 콤퓨타세탁 L" panose="02020603020101020101" pitchFamily="18" charset="-127"/>
                   <a:ea typeface="210 콤퓨타세탁 L" panose="02020603020101020101" pitchFamily="18" charset="-127"/>
                 </a:rPr>
-                <a:t>3</a:t>
+                <a:t>4</a:t>
               </a:r>
               <a:endParaRPr lang="ko-KR" altLang="en-US" dirty="0">
                 <a:solidFill>
@@ -4995,6 +5345,330 @@
           <a:p>
             <a:pPr algn="ctr"/>
             <a:endParaRPr lang="ko-KR" altLang="en-US"/>
+          </a:p>
+        </p:txBody>
+      </p:sp>
+      <p:sp>
+        <p:nvSpPr>
+          <p:cNvPr id="26" name="TextBox 25">
+            <a:extLst>
+              <a:ext uri="{FF2B5EF4-FFF2-40B4-BE49-F238E27FC236}">
+                <a16:creationId xmlns:a16="http://schemas.microsoft.com/office/drawing/2014/main" id="{154A557A-EFF4-4731-A47D-D3DBD01AA370}"/>
+              </a:ext>
+            </a:extLst>
+          </p:cNvPr>
+          <p:cNvSpPr txBox="1"/>
+          <p:nvPr/>
+        </p:nvSpPr>
+        <p:spPr>
+          <a:xfrm>
+            <a:off x="4828761" y="4238571"/>
+            <a:ext cx="1828113" cy="461665"/>
+          </a:xfrm>
+          <a:prstGeom prst="rect">
+            <a:avLst/>
+          </a:prstGeom>
+          <a:noFill/>
+          <a:scene3d>
+            <a:camera prst="obliqueTopLeft"/>
+            <a:lightRig rig="threePt" dir="t"/>
+          </a:scene3d>
+        </p:spPr>
+        <p:txBody>
+          <a:bodyPr wrap="square" rtlCol="0">
+            <a:spAutoFit/>
+          </a:bodyPr>
+          <a:lstStyle/>
+          <a:p>
+            <a:r>
+              <a:rPr lang="ko-KR" altLang="en-US" sz="2400" dirty="0">
+                <a:solidFill>
+                  <a:schemeClr val="bg2">
+                    <a:lumMod val="25000"/>
+                  </a:schemeClr>
+                </a:solidFill>
+                <a:latin typeface="210 콤퓨타세탁 L" panose="02020603020101020101" pitchFamily="18" charset="-127"/>
+                <a:ea typeface="210 콤퓨타세탁 L" panose="02020603020101020101" pitchFamily="18" charset="-127"/>
+              </a:rPr>
+              <a:t>변 경 사 항</a:t>
+            </a:r>
+          </a:p>
+        </p:txBody>
+      </p:sp>
+      <p:sp>
+        <p:nvSpPr>
+          <p:cNvPr id="28" name="자유형 41">
+            <a:extLst>
+              <a:ext uri="{FF2B5EF4-FFF2-40B4-BE49-F238E27FC236}">
+                <a16:creationId xmlns:a16="http://schemas.microsoft.com/office/drawing/2014/main" id="{ABACA006-2BE5-4C2E-BFA0-C46068F3DEA8}"/>
+              </a:ext>
+            </a:extLst>
+          </p:cNvPr>
+          <p:cNvSpPr/>
+          <p:nvPr/>
+        </p:nvSpPr>
+        <p:spPr>
+          <a:xfrm>
+            <a:off x="4002539" y="4171028"/>
+            <a:ext cx="797039" cy="442723"/>
+          </a:xfrm>
+          <a:custGeom>
+            <a:avLst/>
+            <a:gdLst>
+              <a:gd name="connsiteX0" fmla="*/ 1906329 w 3145074"/>
+              <a:gd name="connsiteY0" fmla="*/ 0 h 1746961"/>
+              <a:gd name="connsiteX1" fmla="*/ 2543211 w 3145074"/>
+              <a:gd name="connsiteY1" fmla="*/ 519074 h 1746961"/>
+              <a:gd name="connsiteX2" fmla="*/ 2550041 w 3145074"/>
+              <a:gd name="connsiteY2" fmla="*/ 586822 h 1746961"/>
+              <a:gd name="connsiteX3" fmla="*/ 2626000 w 3145074"/>
+              <a:gd name="connsiteY3" fmla="*/ 594480 h 1746961"/>
+              <a:gd name="connsiteX4" fmla="*/ 3145074 w 3145074"/>
+              <a:gd name="connsiteY4" fmla="*/ 1231362 h 1746961"/>
+              <a:gd name="connsiteX5" fmla="*/ 2954667 w 3145074"/>
+              <a:gd name="connsiteY5" fmla="*/ 1691045 h 1746961"/>
+              <a:gd name="connsiteX6" fmla="*/ 2886897 w 3145074"/>
+              <a:gd name="connsiteY6" fmla="*/ 1746961 h 1746961"/>
+              <a:gd name="connsiteX7" fmla="*/ 328154 w 3145074"/>
+              <a:gd name="connsiteY7" fmla="*/ 1746961 h 1746961"/>
+              <a:gd name="connsiteX8" fmla="*/ 311080 w 3145074"/>
+              <a:gd name="connsiteY8" fmla="*/ 1741661 h 1746961"/>
+              <a:gd name="connsiteX9" fmla="*/ 0 w 3145074"/>
+              <a:gd name="connsiteY9" fmla="*/ 1272350 h 1746961"/>
+              <a:gd name="connsiteX10" fmla="*/ 406688 w 3145074"/>
+              <a:gd name="connsiteY10" fmla="*/ 773361 h 1746961"/>
+              <a:gd name="connsiteX11" fmla="*/ 471248 w 3145074"/>
+              <a:gd name="connsiteY11" fmla="*/ 766853 h 1746961"/>
+              <a:gd name="connsiteX12" fmla="*/ 478693 w 3145074"/>
+              <a:gd name="connsiteY12" fmla="*/ 742871 h 1746961"/>
+              <a:gd name="connsiteX13" fmla="*/ 1049392 w 3145074"/>
+              <a:gd name="connsiteY13" fmla="*/ 364586 h 1746961"/>
+              <a:gd name="connsiteX14" fmla="*/ 1290480 w 3145074"/>
+              <a:gd name="connsiteY14" fmla="*/ 413260 h 1746961"/>
+              <a:gd name="connsiteX15" fmla="*/ 1300590 w 3145074"/>
+              <a:gd name="connsiteY15" fmla="*/ 418747 h 1746961"/>
+              <a:gd name="connsiteX16" fmla="*/ 1307327 w 3145074"/>
+              <a:gd name="connsiteY16" fmla="*/ 397046 h 1746961"/>
+              <a:gd name="connsiteX17" fmla="*/ 1906329 w 3145074"/>
+              <a:gd name="connsiteY17" fmla="*/ 0 h 1746961"/>
+            </a:gdLst>
+            <a:ahLst/>
+            <a:cxnLst>
+              <a:cxn ang="0">
+                <a:pos x="connsiteX0" y="connsiteY0"/>
+              </a:cxn>
+              <a:cxn ang="0">
+                <a:pos x="connsiteX1" y="connsiteY1"/>
+              </a:cxn>
+              <a:cxn ang="0">
+                <a:pos x="connsiteX2" y="connsiteY2"/>
+              </a:cxn>
+              <a:cxn ang="0">
+                <a:pos x="connsiteX3" y="connsiteY3"/>
+              </a:cxn>
+              <a:cxn ang="0">
+                <a:pos x="connsiteX4" y="connsiteY4"/>
+              </a:cxn>
+              <a:cxn ang="0">
+                <a:pos x="connsiteX5" y="connsiteY5"/>
+              </a:cxn>
+              <a:cxn ang="0">
+                <a:pos x="connsiteX6" y="connsiteY6"/>
+              </a:cxn>
+              <a:cxn ang="0">
+                <a:pos x="connsiteX7" y="connsiteY7"/>
+              </a:cxn>
+              <a:cxn ang="0">
+                <a:pos x="connsiteX8" y="connsiteY8"/>
+              </a:cxn>
+              <a:cxn ang="0">
+                <a:pos x="connsiteX9" y="connsiteY9"/>
+              </a:cxn>
+              <a:cxn ang="0">
+                <a:pos x="connsiteX10" y="connsiteY10"/>
+              </a:cxn>
+              <a:cxn ang="0">
+                <a:pos x="connsiteX11" y="connsiteY11"/>
+              </a:cxn>
+              <a:cxn ang="0">
+                <a:pos x="connsiteX12" y="connsiteY12"/>
+              </a:cxn>
+              <a:cxn ang="0">
+                <a:pos x="connsiteX13" y="connsiteY13"/>
+              </a:cxn>
+              <a:cxn ang="0">
+                <a:pos x="connsiteX14" y="connsiteY14"/>
+              </a:cxn>
+              <a:cxn ang="0">
+                <a:pos x="connsiteX15" y="connsiteY15"/>
+              </a:cxn>
+              <a:cxn ang="0">
+                <a:pos x="connsiteX16" y="connsiteY16"/>
+              </a:cxn>
+              <a:cxn ang="0">
+                <a:pos x="connsiteX17" y="connsiteY17"/>
+              </a:cxn>
+            </a:cxnLst>
+            <a:rect l="l" t="t" r="r" b="b"/>
+            <a:pathLst>
+              <a:path w="3145074" h="1746961">
+                <a:moveTo>
+                  <a:pt x="1906329" y="0"/>
+                </a:moveTo>
+                <a:cubicBezTo>
+                  <a:pt x="2220485" y="0"/>
+                  <a:pt x="2482593" y="222839"/>
+                  <a:pt x="2543211" y="519074"/>
+                </a:cubicBezTo>
+                <a:lnTo>
+                  <a:pt x="2550041" y="586822"/>
+                </a:lnTo>
+                <a:lnTo>
+                  <a:pt x="2626000" y="594480"/>
+                </a:lnTo>
+                <a:cubicBezTo>
+                  <a:pt x="2922235" y="655098"/>
+                  <a:pt x="3145074" y="917206"/>
+                  <a:pt x="3145074" y="1231362"/>
+                </a:cubicBezTo>
+                <a:cubicBezTo>
+                  <a:pt x="3145074" y="1410880"/>
+                  <a:pt x="3072310" y="1573402"/>
+                  <a:pt x="2954667" y="1691045"/>
+                </a:cubicBezTo>
+                <a:lnTo>
+                  <a:pt x="2886897" y="1746961"/>
+                </a:lnTo>
+                <a:lnTo>
+                  <a:pt x="328154" y="1746961"/>
+                </a:lnTo>
+                <a:lnTo>
+                  <a:pt x="311080" y="1741661"/>
+                </a:lnTo>
+                <a:cubicBezTo>
+                  <a:pt x="128272" y="1664339"/>
+                  <a:pt x="0" y="1483324"/>
+                  <a:pt x="0" y="1272350"/>
+                </a:cubicBezTo>
+                <a:cubicBezTo>
+                  <a:pt x="0" y="1026213"/>
+                  <a:pt x="174592" y="820855"/>
+                  <a:pt x="406688" y="773361"/>
+                </a:cubicBezTo>
+                <a:lnTo>
+                  <a:pt x="471248" y="766853"/>
+                </a:lnTo>
+                <a:lnTo>
+                  <a:pt x="478693" y="742871"/>
+                </a:lnTo>
+                <a:cubicBezTo>
+                  <a:pt x="572719" y="520569"/>
+                  <a:pt x="792840" y="364586"/>
+                  <a:pt x="1049392" y="364586"/>
+                </a:cubicBezTo>
+                <a:cubicBezTo>
+                  <a:pt x="1134910" y="364586"/>
+                  <a:pt x="1216379" y="381918"/>
+                  <a:pt x="1290480" y="413260"/>
+                </a:cubicBezTo>
+                <a:lnTo>
+                  <a:pt x="1300590" y="418747"/>
+                </a:lnTo>
+                <a:lnTo>
+                  <a:pt x="1307327" y="397046"/>
+                </a:lnTo>
+                <a:cubicBezTo>
+                  <a:pt x="1406016" y="163719"/>
+                  <a:pt x="1637053" y="0"/>
+                  <a:pt x="1906329" y="0"/>
+                </a:cubicBezTo>
+                <a:close/>
+              </a:path>
+            </a:pathLst>
+          </a:custGeom>
+          <a:solidFill>
+            <a:schemeClr val="accent1"/>
+          </a:solidFill>
+          <a:ln>
+            <a:noFill/>
+          </a:ln>
+        </p:spPr>
+        <p:style>
+          <a:lnRef idx="2">
+            <a:schemeClr val="accent1">
+              <a:shade val="50000"/>
+            </a:schemeClr>
+          </a:lnRef>
+          <a:fillRef idx="1">
+            <a:schemeClr val="accent1"/>
+          </a:fillRef>
+          <a:effectRef idx="0">
+            <a:schemeClr val="accent1"/>
+          </a:effectRef>
+          <a:fontRef idx="minor">
+            <a:schemeClr val="lt1"/>
+          </a:fontRef>
+        </p:style>
+        <p:txBody>
+          <a:bodyPr wrap="square" rtlCol="0" anchor="ctr">
+            <a:noAutofit/>
+          </a:bodyPr>
+          <a:lstStyle/>
+          <a:p>
+            <a:pPr algn="ctr"/>
+            <a:endParaRPr lang="ko-KR" altLang="en-US"/>
+          </a:p>
+        </p:txBody>
+      </p:sp>
+      <p:sp>
+        <p:nvSpPr>
+          <p:cNvPr id="29" name="TextBox 28">
+            <a:extLst>
+              <a:ext uri="{FF2B5EF4-FFF2-40B4-BE49-F238E27FC236}">
+                <a16:creationId xmlns:a16="http://schemas.microsoft.com/office/drawing/2014/main" id="{9B82CCAF-23D9-4BB4-857D-115F5F7B9B79}"/>
+              </a:ext>
+            </a:extLst>
+          </p:cNvPr>
+          <p:cNvSpPr txBox="1"/>
+          <p:nvPr/>
+        </p:nvSpPr>
+        <p:spPr>
+          <a:xfrm>
+            <a:off x="4232993" y="4313566"/>
+            <a:ext cx="311304" cy="369332"/>
+          </a:xfrm>
+          <a:prstGeom prst="rect">
+            <a:avLst/>
+          </a:prstGeom>
+          <a:noFill/>
+          <a:scene3d>
+            <a:camera prst="obliqueTopLeft"/>
+            <a:lightRig rig="threePt" dir="t"/>
+          </a:scene3d>
+        </p:spPr>
+        <p:txBody>
+          <a:bodyPr wrap="none" rtlCol="0">
+            <a:spAutoFit/>
+          </a:bodyPr>
+          <a:lstStyle/>
+          <a:p>
+            <a:r>
+              <a:rPr lang="en-US" altLang="ko-KR" dirty="0">
+                <a:solidFill>
+                  <a:schemeClr val="bg1"/>
+                </a:solidFill>
+                <a:latin typeface="210 콤퓨타세탁 L" panose="02020603020101020101" pitchFamily="18" charset="-127"/>
+                <a:ea typeface="210 콤퓨타세탁 L" panose="02020603020101020101" pitchFamily="18" charset="-127"/>
+              </a:rPr>
+              <a:t>3</a:t>
+            </a:r>
+            <a:endParaRPr lang="ko-KR" altLang="en-US" dirty="0">
+              <a:solidFill>
+                <a:schemeClr val="bg1"/>
+              </a:solidFill>
+              <a:latin typeface="210 콤퓨타세탁 L" panose="02020603020101020101" pitchFamily="18" charset="-127"/>
+              <a:ea typeface="210 콤퓨타세탁 L" panose="02020603020101020101" pitchFamily="18" charset="-127"/>
+            </a:endParaRPr>
           </a:p>
         </p:txBody>
       </p:sp>
@@ -8475,6 +9149,72 @@
           </a:p>
         </p:txBody>
       </p:sp>
+      <p:pic>
+        <p:nvPicPr>
+          <p:cNvPr id="11" name="그림 10">
+            <a:extLst>
+              <a:ext uri="{FF2B5EF4-FFF2-40B4-BE49-F238E27FC236}">
+                <a16:creationId xmlns:a16="http://schemas.microsoft.com/office/drawing/2014/main" id="{67EF44D7-68B8-4845-BE3F-304B3E6A3DF0}"/>
+              </a:ext>
+            </a:extLst>
+          </p:cNvPr>
+          <p:cNvPicPr>
+            <a:picLocks noChangeAspect="1"/>
+          </p:cNvPicPr>
+          <p:nvPr/>
+        </p:nvPicPr>
+        <p:blipFill>
+          <a:blip r:embed="rId4">
+            <a:extLst>
+              <a:ext uri="{28A0092B-C50C-407E-A947-70E740481C1C}">
+                <a14:useLocalDpi xmlns:a14="http://schemas.microsoft.com/office/drawing/2010/main" val="0"/>
+              </a:ext>
+            </a:extLst>
+          </a:blip>
+          <a:stretch>
+            <a:fillRect/>
+          </a:stretch>
+        </p:blipFill>
+        <p:spPr>
+          <a:xfrm>
+            <a:off x="955766" y="1741362"/>
+            <a:ext cx="10545882" cy="4049041"/>
+          </a:xfrm>
+          <a:prstGeom prst="rect">
+            <a:avLst/>
+          </a:prstGeom>
+          <a:solidFill>
+            <a:srgbClr val="FFFFFF">
+              <a:shade val="85000"/>
+            </a:srgbClr>
+          </a:solidFill>
+          <a:ln w="88900" cap="sq">
+            <a:solidFill>
+              <a:srgbClr val="FFFFFF"/>
+            </a:solidFill>
+            <a:miter lim="800000"/>
+          </a:ln>
+          <a:effectLst>
+            <a:outerShdw blurRad="55000" dist="18000" dir="5400000" algn="tl" rotWithShape="0">
+              <a:srgbClr val="000000">
+                <a:alpha val="40000"/>
+              </a:srgbClr>
+            </a:outerShdw>
+          </a:effectLst>
+          <a:scene3d>
+            <a:camera prst="orthographicFront"/>
+            <a:lightRig rig="twoPt" dir="t">
+              <a:rot lat="0" lon="0" rev="7200000"/>
+            </a:lightRig>
+          </a:scene3d>
+          <a:sp3d>
+            <a:bevelT w="25400" h="19050"/>
+            <a:contourClr>
+              <a:srgbClr val="FFFFFF"/>
+            </a:contourClr>
+          </a:sp3d>
+        </p:spPr>
+      </p:pic>
     </p:spTree>
     <p:extLst>
       <p:ext uri="{BB962C8B-B14F-4D97-AF65-F5344CB8AC3E}">
@@ -8489,6 +9229,1021 @@
 </file>
 
 <file path=ppt/slides/slide7.xml><?xml version="1.0" encoding="utf-8"?>
+<p:sld xmlns:a="http://schemas.openxmlformats.org/drawingml/2006/main" xmlns:r="http://schemas.openxmlformats.org/officeDocument/2006/relationships" xmlns:p="http://schemas.openxmlformats.org/presentationml/2006/main">
+  <p:cSld>
+    <p:spTree>
+      <p:nvGrpSpPr>
+        <p:cNvPr id="1" name=""/>
+        <p:cNvGrpSpPr/>
+        <p:nvPr/>
+      </p:nvGrpSpPr>
+      <p:grpSpPr>
+        <a:xfrm>
+          <a:off x="0" y="0"/>
+          <a:ext cx="0" cy="0"/>
+          <a:chOff x="0" y="0"/>
+          <a:chExt cx="0" cy="0"/>
+        </a:xfrm>
+      </p:grpSpPr>
+      <p:sp>
+        <p:nvSpPr>
+          <p:cNvPr id="6" name="직사각형 5"/>
+          <p:cNvSpPr/>
+          <p:nvPr/>
+        </p:nvSpPr>
+        <p:spPr>
+          <a:xfrm>
+            <a:off x="438824" y="645549"/>
+            <a:ext cx="11314351" cy="5566901"/>
+          </a:xfrm>
+          <a:prstGeom prst="rect">
+            <a:avLst/>
+          </a:prstGeom>
+          <a:noFill/>
+          <a:ln w="25400">
+            <a:solidFill>
+              <a:srgbClr val="565658"/>
+            </a:solidFill>
+          </a:ln>
+          <a:effectLst/>
+        </p:spPr>
+        <p:style>
+          <a:lnRef idx="2">
+            <a:schemeClr val="accent1">
+              <a:shade val="50000"/>
+            </a:schemeClr>
+          </a:lnRef>
+          <a:fillRef idx="1">
+            <a:schemeClr val="accent1"/>
+          </a:fillRef>
+          <a:effectRef idx="0">
+            <a:schemeClr val="accent1"/>
+          </a:effectRef>
+          <a:fontRef idx="minor">
+            <a:schemeClr val="lt1"/>
+          </a:fontRef>
+        </p:style>
+        <p:txBody>
+          <a:bodyPr rtlCol="0" anchor="ctr"/>
+          <a:lstStyle/>
+          <a:p>
+            <a:pPr algn="ctr"/>
+            <a:endParaRPr lang="ko-KR" altLang="en-US"/>
+          </a:p>
+        </p:txBody>
+      </p:sp>
+      <p:sp>
+        <p:nvSpPr>
+          <p:cNvPr id="79" name="타원 78"/>
+          <p:cNvSpPr/>
+          <p:nvPr/>
+        </p:nvSpPr>
+        <p:spPr>
+          <a:xfrm rot="16200000">
+            <a:off x="5390287" y="6434669"/>
+            <a:ext cx="94593" cy="94593"/>
+          </a:xfrm>
+          <a:prstGeom prst="ellipse">
+            <a:avLst/>
+          </a:prstGeom>
+          <a:noFill/>
+          <a:ln w="38100">
+            <a:solidFill>
+              <a:srgbClr val="DE6658"/>
+            </a:solidFill>
+          </a:ln>
+        </p:spPr>
+        <p:style>
+          <a:lnRef idx="2">
+            <a:schemeClr val="accent1">
+              <a:shade val="50000"/>
+            </a:schemeClr>
+          </a:lnRef>
+          <a:fillRef idx="1">
+            <a:schemeClr val="accent1"/>
+          </a:fillRef>
+          <a:effectRef idx="0">
+            <a:schemeClr val="accent1"/>
+          </a:effectRef>
+          <a:fontRef idx="minor">
+            <a:schemeClr val="lt1"/>
+          </a:fontRef>
+        </p:style>
+        <p:txBody>
+          <a:bodyPr rtlCol="0" anchor="ctr"/>
+          <a:lstStyle/>
+          <a:p>
+            <a:pPr algn="ctr"/>
+            <a:endParaRPr lang="ko-KR" altLang="en-US"/>
+          </a:p>
+        </p:txBody>
+      </p:sp>
+      <p:sp>
+        <p:nvSpPr>
+          <p:cNvPr id="80" name="타원 79"/>
+          <p:cNvSpPr/>
+          <p:nvPr/>
+        </p:nvSpPr>
+        <p:spPr>
+          <a:xfrm rot="16200000">
+            <a:off x="5719495" y="6434669"/>
+            <a:ext cx="94593" cy="94593"/>
+          </a:xfrm>
+          <a:prstGeom prst="ellipse">
+            <a:avLst/>
+          </a:prstGeom>
+          <a:solidFill>
+            <a:srgbClr val="565658"/>
+          </a:solidFill>
+          <a:ln>
+            <a:noFill/>
+          </a:ln>
+        </p:spPr>
+        <p:style>
+          <a:lnRef idx="2">
+            <a:schemeClr val="accent1">
+              <a:shade val="50000"/>
+            </a:schemeClr>
+          </a:lnRef>
+          <a:fillRef idx="1">
+            <a:schemeClr val="accent1"/>
+          </a:fillRef>
+          <a:effectRef idx="0">
+            <a:schemeClr val="accent1"/>
+          </a:effectRef>
+          <a:fontRef idx="minor">
+            <a:schemeClr val="lt1"/>
+          </a:fontRef>
+        </p:style>
+        <p:txBody>
+          <a:bodyPr rtlCol="0" anchor="ctr"/>
+          <a:lstStyle/>
+          <a:p>
+            <a:pPr algn="ctr"/>
+            <a:endParaRPr lang="ko-KR" altLang="en-US"/>
+          </a:p>
+        </p:txBody>
+      </p:sp>
+      <p:sp>
+        <p:nvSpPr>
+          <p:cNvPr id="81" name="타원 80"/>
+          <p:cNvSpPr/>
+          <p:nvPr/>
+        </p:nvSpPr>
+        <p:spPr>
+          <a:xfrm rot="16200000">
+            <a:off x="6048703" y="6434669"/>
+            <a:ext cx="94593" cy="94593"/>
+          </a:xfrm>
+          <a:prstGeom prst="ellipse">
+            <a:avLst/>
+          </a:prstGeom>
+          <a:solidFill>
+            <a:srgbClr val="565658"/>
+          </a:solidFill>
+          <a:ln>
+            <a:noFill/>
+          </a:ln>
+        </p:spPr>
+        <p:style>
+          <a:lnRef idx="2">
+            <a:schemeClr val="accent1">
+              <a:shade val="50000"/>
+            </a:schemeClr>
+          </a:lnRef>
+          <a:fillRef idx="1">
+            <a:schemeClr val="accent1"/>
+          </a:fillRef>
+          <a:effectRef idx="0">
+            <a:schemeClr val="accent1"/>
+          </a:effectRef>
+          <a:fontRef idx="minor">
+            <a:schemeClr val="lt1"/>
+          </a:fontRef>
+        </p:style>
+        <p:txBody>
+          <a:bodyPr rtlCol="0" anchor="ctr"/>
+          <a:lstStyle/>
+          <a:p>
+            <a:pPr algn="ctr"/>
+            <a:endParaRPr lang="ko-KR" altLang="en-US"/>
+          </a:p>
+        </p:txBody>
+      </p:sp>
+      <p:sp>
+        <p:nvSpPr>
+          <p:cNvPr id="62" name="직사각형 61"/>
+          <p:cNvSpPr/>
+          <p:nvPr/>
+        </p:nvSpPr>
+        <p:spPr>
+          <a:xfrm>
+            <a:off x="714375" y="525780"/>
+            <a:ext cx="1941019" cy="266700"/>
+          </a:xfrm>
+          <a:prstGeom prst="rect">
+            <a:avLst/>
+          </a:prstGeom>
+          <a:solidFill>
+            <a:srgbClr val="EBEBED"/>
+          </a:solidFill>
+          <a:ln>
+            <a:noFill/>
+          </a:ln>
+        </p:spPr>
+        <p:style>
+          <a:lnRef idx="2">
+            <a:schemeClr val="accent1">
+              <a:shade val="50000"/>
+            </a:schemeClr>
+          </a:lnRef>
+          <a:fillRef idx="1">
+            <a:schemeClr val="accent1"/>
+          </a:fillRef>
+          <a:effectRef idx="0">
+            <a:schemeClr val="accent1"/>
+          </a:effectRef>
+          <a:fontRef idx="minor">
+            <a:schemeClr val="lt1"/>
+          </a:fontRef>
+        </p:style>
+        <p:txBody>
+          <a:bodyPr rtlCol="0" anchor="ctr"/>
+          <a:lstStyle/>
+          <a:p>
+            <a:pPr algn="ctr"/>
+            <a:endParaRPr lang="ko-KR" altLang="en-US"/>
+          </a:p>
+        </p:txBody>
+      </p:sp>
+      <p:sp>
+        <p:nvSpPr>
+          <p:cNvPr id="141" name="TextBox 140"/>
+          <p:cNvSpPr txBox="1"/>
+          <p:nvPr/>
+        </p:nvSpPr>
+        <p:spPr>
+          <a:xfrm>
+            <a:off x="1565031" y="508791"/>
+            <a:ext cx="1152880" cy="307777"/>
+          </a:xfrm>
+          <a:prstGeom prst="rect">
+            <a:avLst/>
+          </a:prstGeom>
+          <a:noFill/>
+          <a:scene3d>
+            <a:camera prst="obliqueTopLeft"/>
+            <a:lightRig rig="threePt" dir="t"/>
+          </a:scene3d>
+        </p:spPr>
+        <p:txBody>
+          <a:bodyPr wrap="none" rtlCol="0">
+            <a:spAutoFit/>
+          </a:bodyPr>
+          <a:lstStyle/>
+          <a:p>
+            <a:r>
+              <a:rPr lang="ko-KR" altLang="en-US" sz="1400" dirty="0">
+                <a:solidFill>
+                  <a:srgbClr val="565658"/>
+                </a:solidFill>
+                <a:latin typeface="210 콤퓨타세탁 L" panose="02020603020101020101" pitchFamily="18" charset="-127"/>
+                <a:ea typeface="210 콤퓨타세탁 L" panose="02020603020101020101" pitchFamily="18" charset="-127"/>
+              </a:rPr>
+              <a:t>변 경 사 항 </a:t>
+            </a:r>
+          </a:p>
+        </p:txBody>
+      </p:sp>
+      <p:sp>
+        <p:nvSpPr>
+          <p:cNvPr id="140" name="자유형 139"/>
+          <p:cNvSpPr/>
+          <p:nvPr/>
+        </p:nvSpPr>
+        <p:spPr>
+          <a:xfrm>
+            <a:off x="767992" y="293986"/>
+            <a:ext cx="797039" cy="442723"/>
+          </a:xfrm>
+          <a:custGeom>
+            <a:avLst/>
+            <a:gdLst>
+              <a:gd name="connsiteX0" fmla="*/ 1906329 w 3145074"/>
+              <a:gd name="connsiteY0" fmla="*/ 0 h 1746961"/>
+              <a:gd name="connsiteX1" fmla="*/ 2543211 w 3145074"/>
+              <a:gd name="connsiteY1" fmla="*/ 519074 h 1746961"/>
+              <a:gd name="connsiteX2" fmla="*/ 2550041 w 3145074"/>
+              <a:gd name="connsiteY2" fmla="*/ 586822 h 1746961"/>
+              <a:gd name="connsiteX3" fmla="*/ 2626000 w 3145074"/>
+              <a:gd name="connsiteY3" fmla="*/ 594480 h 1746961"/>
+              <a:gd name="connsiteX4" fmla="*/ 3145074 w 3145074"/>
+              <a:gd name="connsiteY4" fmla="*/ 1231362 h 1746961"/>
+              <a:gd name="connsiteX5" fmla="*/ 2954667 w 3145074"/>
+              <a:gd name="connsiteY5" fmla="*/ 1691045 h 1746961"/>
+              <a:gd name="connsiteX6" fmla="*/ 2886897 w 3145074"/>
+              <a:gd name="connsiteY6" fmla="*/ 1746961 h 1746961"/>
+              <a:gd name="connsiteX7" fmla="*/ 328154 w 3145074"/>
+              <a:gd name="connsiteY7" fmla="*/ 1746961 h 1746961"/>
+              <a:gd name="connsiteX8" fmla="*/ 311080 w 3145074"/>
+              <a:gd name="connsiteY8" fmla="*/ 1741661 h 1746961"/>
+              <a:gd name="connsiteX9" fmla="*/ 0 w 3145074"/>
+              <a:gd name="connsiteY9" fmla="*/ 1272350 h 1746961"/>
+              <a:gd name="connsiteX10" fmla="*/ 406688 w 3145074"/>
+              <a:gd name="connsiteY10" fmla="*/ 773361 h 1746961"/>
+              <a:gd name="connsiteX11" fmla="*/ 471248 w 3145074"/>
+              <a:gd name="connsiteY11" fmla="*/ 766853 h 1746961"/>
+              <a:gd name="connsiteX12" fmla="*/ 478693 w 3145074"/>
+              <a:gd name="connsiteY12" fmla="*/ 742871 h 1746961"/>
+              <a:gd name="connsiteX13" fmla="*/ 1049392 w 3145074"/>
+              <a:gd name="connsiteY13" fmla="*/ 364586 h 1746961"/>
+              <a:gd name="connsiteX14" fmla="*/ 1290480 w 3145074"/>
+              <a:gd name="connsiteY14" fmla="*/ 413260 h 1746961"/>
+              <a:gd name="connsiteX15" fmla="*/ 1300590 w 3145074"/>
+              <a:gd name="connsiteY15" fmla="*/ 418747 h 1746961"/>
+              <a:gd name="connsiteX16" fmla="*/ 1307327 w 3145074"/>
+              <a:gd name="connsiteY16" fmla="*/ 397046 h 1746961"/>
+              <a:gd name="connsiteX17" fmla="*/ 1906329 w 3145074"/>
+              <a:gd name="connsiteY17" fmla="*/ 0 h 1746961"/>
+            </a:gdLst>
+            <a:ahLst/>
+            <a:cxnLst>
+              <a:cxn ang="0">
+                <a:pos x="connsiteX0" y="connsiteY0"/>
+              </a:cxn>
+              <a:cxn ang="0">
+                <a:pos x="connsiteX1" y="connsiteY1"/>
+              </a:cxn>
+              <a:cxn ang="0">
+                <a:pos x="connsiteX2" y="connsiteY2"/>
+              </a:cxn>
+              <a:cxn ang="0">
+                <a:pos x="connsiteX3" y="connsiteY3"/>
+              </a:cxn>
+              <a:cxn ang="0">
+                <a:pos x="connsiteX4" y="connsiteY4"/>
+              </a:cxn>
+              <a:cxn ang="0">
+                <a:pos x="connsiteX5" y="connsiteY5"/>
+              </a:cxn>
+              <a:cxn ang="0">
+                <a:pos x="connsiteX6" y="connsiteY6"/>
+              </a:cxn>
+              <a:cxn ang="0">
+                <a:pos x="connsiteX7" y="connsiteY7"/>
+              </a:cxn>
+              <a:cxn ang="0">
+                <a:pos x="connsiteX8" y="connsiteY8"/>
+              </a:cxn>
+              <a:cxn ang="0">
+                <a:pos x="connsiteX9" y="connsiteY9"/>
+              </a:cxn>
+              <a:cxn ang="0">
+                <a:pos x="connsiteX10" y="connsiteY10"/>
+              </a:cxn>
+              <a:cxn ang="0">
+                <a:pos x="connsiteX11" y="connsiteY11"/>
+              </a:cxn>
+              <a:cxn ang="0">
+                <a:pos x="connsiteX12" y="connsiteY12"/>
+              </a:cxn>
+              <a:cxn ang="0">
+                <a:pos x="connsiteX13" y="connsiteY13"/>
+              </a:cxn>
+              <a:cxn ang="0">
+                <a:pos x="connsiteX14" y="connsiteY14"/>
+              </a:cxn>
+              <a:cxn ang="0">
+                <a:pos x="connsiteX15" y="connsiteY15"/>
+              </a:cxn>
+              <a:cxn ang="0">
+                <a:pos x="connsiteX16" y="connsiteY16"/>
+              </a:cxn>
+              <a:cxn ang="0">
+                <a:pos x="connsiteX17" y="connsiteY17"/>
+              </a:cxn>
+            </a:cxnLst>
+            <a:rect l="l" t="t" r="r" b="b"/>
+            <a:pathLst>
+              <a:path w="3145074" h="1746961">
+                <a:moveTo>
+                  <a:pt x="1906329" y="0"/>
+                </a:moveTo>
+                <a:cubicBezTo>
+                  <a:pt x="2220485" y="0"/>
+                  <a:pt x="2482593" y="222839"/>
+                  <a:pt x="2543211" y="519074"/>
+                </a:cubicBezTo>
+                <a:lnTo>
+                  <a:pt x="2550041" y="586822"/>
+                </a:lnTo>
+                <a:lnTo>
+                  <a:pt x="2626000" y="594480"/>
+                </a:lnTo>
+                <a:cubicBezTo>
+                  <a:pt x="2922235" y="655098"/>
+                  <a:pt x="3145074" y="917206"/>
+                  <a:pt x="3145074" y="1231362"/>
+                </a:cubicBezTo>
+                <a:cubicBezTo>
+                  <a:pt x="3145074" y="1410880"/>
+                  <a:pt x="3072310" y="1573402"/>
+                  <a:pt x="2954667" y="1691045"/>
+                </a:cubicBezTo>
+                <a:lnTo>
+                  <a:pt x="2886897" y="1746961"/>
+                </a:lnTo>
+                <a:lnTo>
+                  <a:pt x="328154" y="1746961"/>
+                </a:lnTo>
+                <a:lnTo>
+                  <a:pt x="311080" y="1741661"/>
+                </a:lnTo>
+                <a:cubicBezTo>
+                  <a:pt x="128272" y="1664339"/>
+                  <a:pt x="0" y="1483324"/>
+                  <a:pt x="0" y="1272350"/>
+                </a:cubicBezTo>
+                <a:cubicBezTo>
+                  <a:pt x="0" y="1026213"/>
+                  <a:pt x="174592" y="820855"/>
+                  <a:pt x="406688" y="773361"/>
+                </a:cubicBezTo>
+                <a:lnTo>
+                  <a:pt x="471248" y="766853"/>
+                </a:lnTo>
+                <a:lnTo>
+                  <a:pt x="478693" y="742871"/>
+                </a:lnTo>
+                <a:cubicBezTo>
+                  <a:pt x="572719" y="520569"/>
+                  <a:pt x="792840" y="364586"/>
+                  <a:pt x="1049392" y="364586"/>
+                </a:cubicBezTo>
+                <a:cubicBezTo>
+                  <a:pt x="1134910" y="364586"/>
+                  <a:pt x="1216379" y="381918"/>
+                  <a:pt x="1290480" y="413260"/>
+                </a:cubicBezTo>
+                <a:lnTo>
+                  <a:pt x="1300590" y="418747"/>
+                </a:lnTo>
+                <a:lnTo>
+                  <a:pt x="1307327" y="397046"/>
+                </a:lnTo>
+                <a:cubicBezTo>
+                  <a:pt x="1406016" y="163719"/>
+                  <a:pt x="1637053" y="0"/>
+                  <a:pt x="1906329" y="0"/>
+                </a:cubicBezTo>
+                <a:close/>
+              </a:path>
+            </a:pathLst>
+          </a:custGeom>
+          <a:solidFill>
+            <a:srgbClr val="00B0F0"/>
+          </a:solidFill>
+          <a:ln>
+            <a:noFill/>
+          </a:ln>
+        </p:spPr>
+        <p:style>
+          <a:lnRef idx="2">
+            <a:schemeClr val="accent1">
+              <a:shade val="50000"/>
+            </a:schemeClr>
+          </a:lnRef>
+          <a:fillRef idx="1">
+            <a:schemeClr val="accent1"/>
+          </a:fillRef>
+          <a:effectRef idx="0">
+            <a:schemeClr val="accent1"/>
+          </a:effectRef>
+          <a:fontRef idx="minor">
+            <a:schemeClr val="lt1"/>
+          </a:fontRef>
+        </p:style>
+        <p:txBody>
+          <a:bodyPr wrap="square" rtlCol="0" anchor="ctr">
+            <a:noAutofit/>
+          </a:bodyPr>
+          <a:lstStyle/>
+          <a:p>
+            <a:pPr algn="ctr"/>
+            <a:endParaRPr lang="ko-KR" altLang="en-US"/>
+          </a:p>
+        </p:txBody>
+      </p:sp>
+      <p:sp>
+        <p:nvSpPr>
+          <p:cNvPr id="142" name="TextBox 141"/>
+          <p:cNvSpPr txBox="1"/>
+          <p:nvPr/>
+        </p:nvSpPr>
+        <p:spPr>
+          <a:xfrm>
+            <a:off x="998446" y="436524"/>
+            <a:ext cx="311304" cy="369332"/>
+          </a:xfrm>
+          <a:prstGeom prst="rect">
+            <a:avLst/>
+          </a:prstGeom>
+          <a:noFill/>
+          <a:scene3d>
+            <a:camera prst="obliqueTopLeft"/>
+            <a:lightRig rig="threePt" dir="t"/>
+          </a:scene3d>
+        </p:spPr>
+        <p:txBody>
+          <a:bodyPr wrap="none" rtlCol="0">
+            <a:spAutoFit/>
+          </a:bodyPr>
+          <a:lstStyle/>
+          <a:p>
+            <a:r>
+              <a:rPr lang="en-US" altLang="ko-KR" dirty="0">
+                <a:solidFill>
+                  <a:schemeClr val="bg1"/>
+                </a:solidFill>
+                <a:latin typeface="210 콤퓨타세탁 L" panose="02020603020101020101" pitchFamily="18" charset="-127"/>
+                <a:ea typeface="210 콤퓨타세탁 L" panose="02020603020101020101" pitchFamily="18" charset="-127"/>
+              </a:rPr>
+              <a:t>3</a:t>
+            </a:r>
+            <a:endParaRPr lang="ko-KR" altLang="en-US" dirty="0">
+              <a:solidFill>
+                <a:schemeClr val="bg1"/>
+              </a:solidFill>
+              <a:latin typeface="210 콤퓨타세탁 L" panose="02020603020101020101" pitchFamily="18" charset="-127"/>
+              <a:ea typeface="210 콤퓨타세탁 L" panose="02020603020101020101" pitchFamily="18" charset="-127"/>
+            </a:endParaRPr>
+          </a:p>
+        </p:txBody>
+      </p:sp>
+      <p:grpSp>
+        <p:nvGrpSpPr>
+          <p:cNvPr id="3" name="그룹 2"/>
+          <p:cNvGrpSpPr/>
+          <p:nvPr/>
+        </p:nvGrpSpPr>
+        <p:grpSpPr>
+          <a:xfrm>
+            <a:off x="484605" y="887380"/>
+            <a:ext cx="2400557" cy="527353"/>
+            <a:chOff x="5122267" y="1444789"/>
+            <a:chExt cx="2400557" cy="527353"/>
+          </a:xfrm>
+        </p:grpSpPr>
+        <p:sp>
+          <p:nvSpPr>
+            <p:cNvPr id="99" name="직사각형 98"/>
+            <p:cNvSpPr/>
+            <p:nvPr/>
+          </p:nvSpPr>
+          <p:spPr>
+            <a:xfrm>
+              <a:off x="5281359" y="1485065"/>
+              <a:ext cx="2241465" cy="451499"/>
+            </a:xfrm>
+            <a:prstGeom prst="rect">
+              <a:avLst/>
+            </a:prstGeom>
+            <a:noFill/>
+            <a:ln w="25400">
+              <a:solidFill>
+                <a:srgbClr val="565658"/>
+              </a:solidFill>
+            </a:ln>
+            <a:effectLst/>
+          </p:spPr>
+          <p:style>
+            <a:lnRef idx="2">
+              <a:schemeClr val="accent1">
+                <a:shade val="50000"/>
+              </a:schemeClr>
+            </a:lnRef>
+            <a:fillRef idx="1">
+              <a:schemeClr val="accent1"/>
+            </a:fillRef>
+            <a:effectRef idx="0">
+              <a:schemeClr val="accent1"/>
+            </a:effectRef>
+            <a:fontRef idx="minor">
+              <a:schemeClr val="lt1"/>
+            </a:fontRef>
+          </p:style>
+          <p:txBody>
+            <a:bodyPr rtlCol="0" anchor="ctr"/>
+            <a:lstStyle/>
+            <a:p>
+              <a:pPr algn="ctr"/>
+              <a:endParaRPr lang="ko-KR" altLang="en-US"/>
+            </a:p>
+          </p:txBody>
+        </p:sp>
+        <p:sp>
+          <p:nvSpPr>
+            <p:cNvPr id="100" name="직사각형 99"/>
+            <p:cNvSpPr/>
+            <p:nvPr/>
+          </p:nvSpPr>
+          <p:spPr>
+            <a:xfrm>
+              <a:off x="5122267" y="1444789"/>
+              <a:ext cx="422277" cy="419631"/>
+            </a:xfrm>
+            <a:prstGeom prst="rect">
+              <a:avLst/>
+            </a:prstGeom>
+            <a:solidFill>
+              <a:srgbClr val="EBEBED"/>
+            </a:solidFill>
+            <a:ln>
+              <a:noFill/>
+            </a:ln>
+          </p:spPr>
+          <p:style>
+            <a:lnRef idx="2">
+              <a:schemeClr val="accent1">
+                <a:shade val="50000"/>
+              </a:schemeClr>
+            </a:lnRef>
+            <a:fillRef idx="1">
+              <a:schemeClr val="accent1"/>
+            </a:fillRef>
+            <a:effectRef idx="0">
+              <a:schemeClr val="accent1"/>
+            </a:effectRef>
+            <a:fontRef idx="minor">
+              <a:schemeClr val="lt1"/>
+            </a:fontRef>
+          </p:style>
+          <p:txBody>
+            <a:bodyPr rtlCol="0" anchor="ctr"/>
+            <a:lstStyle/>
+            <a:p>
+              <a:pPr algn="ctr"/>
+              <a:endParaRPr lang="ko-KR" altLang="en-US"/>
+            </a:p>
+          </p:txBody>
+        </p:sp>
+        <p:sp>
+          <p:nvSpPr>
+            <p:cNvPr id="101" name="직사각형 100"/>
+            <p:cNvSpPr/>
+            <p:nvPr/>
+          </p:nvSpPr>
+          <p:spPr>
+            <a:xfrm>
+              <a:off x="5317492" y="1495088"/>
+              <a:ext cx="2073003" cy="477054"/>
+            </a:xfrm>
+            <a:prstGeom prst="rect">
+              <a:avLst/>
+            </a:prstGeom>
+            <a:scene3d>
+              <a:camera prst="obliqueTopLeft"/>
+              <a:lightRig rig="threePt" dir="t"/>
+            </a:scene3d>
+          </p:spPr>
+          <p:txBody>
+            <a:bodyPr wrap="none">
+              <a:spAutoFit/>
+            </a:bodyPr>
+            <a:lstStyle/>
+            <a:p>
+              <a:r>
+                <a:rPr lang="ko-KR" altLang="en-US" sz="2500" spc="300" dirty="0">
+                  <a:solidFill>
+                    <a:srgbClr val="565658"/>
+                  </a:solidFill>
+                  <a:latin typeface="210 콤퓨타세탁 L" panose="02020603020101020101" pitchFamily="18" charset="-127"/>
+                  <a:ea typeface="210 콤퓨타세탁 L" panose="02020603020101020101" pitchFamily="18" charset="-127"/>
+                </a:rPr>
+                <a:t>변 경 사 항</a:t>
+              </a:r>
+            </a:p>
+          </p:txBody>
+        </p:sp>
+      </p:grpSp>
+      <p:sp>
+        <p:nvSpPr>
+          <p:cNvPr id="19" name="TextBox 18">
+            <a:extLst>
+              <a:ext uri="{FF2B5EF4-FFF2-40B4-BE49-F238E27FC236}">
+                <a16:creationId xmlns:a16="http://schemas.microsoft.com/office/drawing/2014/main" id="{574EACBA-3D5F-408E-80B1-556BB0B63AE0}"/>
+              </a:ext>
+            </a:extLst>
+          </p:cNvPr>
+          <p:cNvSpPr txBox="1"/>
+          <p:nvPr/>
+        </p:nvSpPr>
+        <p:spPr>
+          <a:xfrm>
+            <a:off x="1834979" y="2019701"/>
+            <a:ext cx="1648208" cy="553998"/>
+          </a:xfrm>
+          <a:prstGeom prst="rect">
+            <a:avLst/>
+          </a:prstGeom>
+          <a:noFill/>
+        </p:spPr>
+        <p:txBody>
+          <a:bodyPr wrap="none" rtlCol="0">
+            <a:spAutoFit/>
+          </a:bodyPr>
+          <a:lstStyle/>
+          <a:p>
+            <a:r>
+              <a:rPr lang="en-US" altLang="ko-KR" sz="3000" dirty="0">
+                <a:latin typeface="휴먼모음T" panose="02030504000101010101" pitchFamily="18" charset="-127"/>
+                <a:ea typeface="휴먼모음T" panose="02030504000101010101" pitchFamily="18" charset="-127"/>
+              </a:rPr>
+              <a:t>GUI </a:t>
+            </a:r>
+            <a:r>
+              <a:rPr lang="ko-KR" altLang="en-US" sz="3000" dirty="0">
+                <a:latin typeface="휴먼모음T" panose="02030504000101010101" pitchFamily="18" charset="-127"/>
+                <a:ea typeface="휴먼모음T" panose="02030504000101010101" pitchFamily="18" charset="-127"/>
+              </a:rPr>
+              <a:t>변경</a:t>
+            </a:r>
+          </a:p>
+        </p:txBody>
+      </p:sp>
+      <p:pic>
+        <p:nvPicPr>
+          <p:cNvPr id="9" name="그래픽 8" descr="문서">
+            <a:extLst>
+              <a:ext uri="{FF2B5EF4-FFF2-40B4-BE49-F238E27FC236}">
+                <a16:creationId xmlns:a16="http://schemas.microsoft.com/office/drawing/2014/main" id="{EDEA76B5-ED34-47EB-A3BD-C7CBBD55FDD8}"/>
+              </a:ext>
+            </a:extLst>
+          </p:cNvPr>
+          <p:cNvPicPr>
+            <a:picLocks noChangeAspect="1"/>
+          </p:cNvPicPr>
+          <p:nvPr/>
+        </p:nvPicPr>
+        <p:blipFill>
+          <a:blip r:embed="rId2">
+            <a:extLst>
+              <a:ext uri="{28A0092B-C50C-407E-A947-70E740481C1C}">
+                <a14:useLocalDpi xmlns:a14="http://schemas.microsoft.com/office/drawing/2010/main" val="0"/>
+              </a:ext>
+              <a:ext uri="{96DAC541-7B7A-43D3-8B79-37D633B846F1}">
+                <asvg:svgBlip xmlns:asvg="http://schemas.microsoft.com/office/drawing/2016/SVG/main" r:embed="rId3"/>
+              </a:ext>
+            </a:extLst>
+          </a:blip>
+          <a:stretch>
+            <a:fillRect/>
+          </a:stretch>
+        </p:blipFill>
+        <p:spPr>
+          <a:xfrm>
+            <a:off x="1309750" y="2019701"/>
+            <a:ext cx="457200" cy="457200"/>
+          </a:xfrm>
+          <a:prstGeom prst="rect">
+            <a:avLst/>
+          </a:prstGeom>
+        </p:spPr>
+      </p:pic>
+      <p:sp>
+        <p:nvSpPr>
+          <p:cNvPr id="10" name="TextBox 9">
+            <a:extLst>
+              <a:ext uri="{FF2B5EF4-FFF2-40B4-BE49-F238E27FC236}">
+                <a16:creationId xmlns:a16="http://schemas.microsoft.com/office/drawing/2014/main" id="{D616168A-241E-471F-8C16-F27208B8429D}"/>
+              </a:ext>
+            </a:extLst>
+          </p:cNvPr>
+          <p:cNvSpPr txBox="1"/>
+          <p:nvPr/>
+        </p:nvSpPr>
+        <p:spPr>
+          <a:xfrm>
+            <a:off x="1915392" y="2573699"/>
+            <a:ext cx="6698180" cy="369332"/>
+          </a:xfrm>
+          <a:prstGeom prst="rect">
+            <a:avLst/>
+          </a:prstGeom>
+          <a:noFill/>
+        </p:spPr>
+        <p:txBody>
+          <a:bodyPr wrap="none" rtlCol="0">
+            <a:spAutoFit/>
+          </a:bodyPr>
+          <a:lstStyle/>
+          <a:p>
+            <a:r>
+              <a:rPr lang="en-US" altLang="ko-KR" dirty="0"/>
+              <a:t>- </a:t>
+            </a:r>
+            <a:r>
+              <a:rPr lang="en-US" altLang="ko-KR" dirty="0" err="1"/>
+              <a:t>Tkiter</a:t>
+            </a:r>
+            <a:r>
+              <a:rPr lang="en-US" altLang="ko-KR" dirty="0"/>
+              <a:t> </a:t>
+            </a:r>
+            <a:r>
+              <a:rPr lang="ko-KR" altLang="en-US" dirty="0"/>
+              <a:t>화면 넘기는 </a:t>
+            </a:r>
+            <a:r>
+              <a:rPr lang="en-US" altLang="ko-KR" dirty="0"/>
+              <a:t>GUI </a:t>
+            </a:r>
+            <a:r>
+              <a:rPr lang="ko-KR" altLang="en-US" dirty="0"/>
+              <a:t>구현 시 </a:t>
+            </a:r>
+            <a:r>
+              <a:rPr lang="en-US" altLang="ko-KR" dirty="0"/>
+              <a:t>import </a:t>
+            </a:r>
+            <a:r>
+              <a:rPr lang="ko-KR" altLang="en-US" dirty="0"/>
+              <a:t>오류로 인한 </a:t>
+            </a:r>
+            <a:r>
+              <a:rPr lang="en-US" altLang="ko-KR" dirty="0"/>
+              <a:t>GUI </a:t>
+            </a:r>
+            <a:r>
+              <a:rPr lang="ko-KR" altLang="en-US" dirty="0"/>
+              <a:t>변경</a:t>
+            </a:r>
+          </a:p>
+        </p:txBody>
+      </p:sp>
+      <p:sp>
+        <p:nvSpPr>
+          <p:cNvPr id="24" name="TextBox 23">
+            <a:extLst>
+              <a:ext uri="{FF2B5EF4-FFF2-40B4-BE49-F238E27FC236}">
+                <a16:creationId xmlns:a16="http://schemas.microsoft.com/office/drawing/2014/main" id="{B3990AD8-982C-4463-80F7-7A2C52F194B4}"/>
+              </a:ext>
+            </a:extLst>
+          </p:cNvPr>
+          <p:cNvSpPr txBox="1"/>
+          <p:nvPr/>
+        </p:nvSpPr>
+        <p:spPr>
+          <a:xfrm>
+            <a:off x="1834979" y="3688611"/>
+            <a:ext cx="2887329" cy="553998"/>
+          </a:xfrm>
+          <a:prstGeom prst="rect">
+            <a:avLst/>
+          </a:prstGeom>
+          <a:noFill/>
+        </p:spPr>
+        <p:txBody>
+          <a:bodyPr wrap="none" rtlCol="0">
+            <a:spAutoFit/>
+          </a:bodyPr>
+          <a:lstStyle/>
+          <a:p>
+            <a:r>
+              <a:rPr lang="ko-KR" altLang="en-US" sz="3000" dirty="0">
+                <a:latin typeface="휴먼모음T" panose="02030504000101010101" pitchFamily="18" charset="-127"/>
+                <a:ea typeface="휴먼모음T" panose="02030504000101010101" pitchFamily="18" charset="-127"/>
+              </a:rPr>
+              <a:t>맞춤형 특기</a:t>
+            </a:r>
+            <a:r>
+              <a:rPr lang="en-US" altLang="ko-KR" sz="3000" dirty="0">
+                <a:latin typeface="휴먼모음T" panose="02030504000101010101" pitchFamily="18" charset="-127"/>
+                <a:ea typeface="휴먼모음T" panose="02030504000101010101" pitchFamily="18" charset="-127"/>
+              </a:rPr>
+              <a:t> </a:t>
+            </a:r>
+            <a:r>
+              <a:rPr lang="ko-KR" altLang="en-US" sz="3000" dirty="0">
+                <a:latin typeface="휴먼모음T" panose="02030504000101010101" pitchFamily="18" charset="-127"/>
+                <a:ea typeface="휴먼모음T" panose="02030504000101010101" pitchFamily="18" charset="-127"/>
+              </a:rPr>
+              <a:t>변경</a:t>
+            </a:r>
+          </a:p>
+        </p:txBody>
+      </p:sp>
+      <p:pic>
+        <p:nvPicPr>
+          <p:cNvPr id="25" name="그래픽 24" descr="문서">
+            <a:extLst>
+              <a:ext uri="{FF2B5EF4-FFF2-40B4-BE49-F238E27FC236}">
+                <a16:creationId xmlns:a16="http://schemas.microsoft.com/office/drawing/2014/main" id="{B715A171-5249-4F19-88B2-0CB0BE96A96C}"/>
+              </a:ext>
+            </a:extLst>
+          </p:cNvPr>
+          <p:cNvPicPr>
+            <a:picLocks noChangeAspect="1"/>
+          </p:cNvPicPr>
+          <p:nvPr/>
+        </p:nvPicPr>
+        <p:blipFill>
+          <a:blip r:embed="rId2">
+            <a:extLst>
+              <a:ext uri="{28A0092B-C50C-407E-A947-70E740481C1C}">
+                <a14:useLocalDpi xmlns:a14="http://schemas.microsoft.com/office/drawing/2010/main" val="0"/>
+              </a:ext>
+              <a:ext uri="{96DAC541-7B7A-43D3-8B79-37D633B846F1}">
+                <asvg:svgBlip xmlns:asvg="http://schemas.microsoft.com/office/drawing/2016/SVG/main" r:embed="rId3"/>
+              </a:ext>
+            </a:extLst>
+          </a:blip>
+          <a:stretch>
+            <a:fillRect/>
+          </a:stretch>
+        </p:blipFill>
+        <p:spPr>
+          <a:xfrm>
+            <a:off x="1309750" y="3688611"/>
+            <a:ext cx="457200" cy="457200"/>
+          </a:xfrm>
+          <a:prstGeom prst="rect">
+            <a:avLst/>
+          </a:prstGeom>
+        </p:spPr>
+      </p:pic>
+      <p:sp>
+        <p:nvSpPr>
+          <p:cNvPr id="26" name="TextBox 25">
+            <a:extLst>
+              <a:ext uri="{FF2B5EF4-FFF2-40B4-BE49-F238E27FC236}">
+                <a16:creationId xmlns:a16="http://schemas.microsoft.com/office/drawing/2014/main" id="{3A5DDF78-8D6D-4C65-9B81-78C9473B55D2}"/>
+              </a:ext>
+            </a:extLst>
+          </p:cNvPr>
+          <p:cNvSpPr txBox="1"/>
+          <p:nvPr/>
+        </p:nvSpPr>
+        <p:spPr>
+          <a:xfrm>
+            <a:off x="1915392" y="4242609"/>
+            <a:ext cx="9527223" cy="646331"/>
+          </a:xfrm>
+          <a:prstGeom prst="rect">
+            <a:avLst/>
+          </a:prstGeom>
+          <a:noFill/>
+        </p:spPr>
+        <p:txBody>
+          <a:bodyPr wrap="none" rtlCol="0">
+            <a:spAutoFit/>
+          </a:bodyPr>
+          <a:lstStyle/>
+          <a:p>
+            <a:pPr marL="285750" indent="-285750">
+              <a:buFontTx/>
+              <a:buChar char="-"/>
+            </a:pPr>
+            <a:r>
+              <a:rPr lang="ko-KR" altLang="en-US" dirty="0"/>
+              <a:t>맞춤형 특기 검색 후 간략한 소개를 위해 </a:t>
+            </a:r>
+            <a:r>
+              <a:rPr lang="en-US" altLang="ko-KR" dirty="0"/>
+              <a:t>NAVER API </a:t>
+            </a:r>
+            <a:r>
+              <a:rPr lang="ko-KR" altLang="en-US" dirty="0"/>
+              <a:t>백과사전 검색을 통해 검색을 구현</a:t>
+            </a:r>
+            <a:endParaRPr lang="en-US" altLang="ko-KR" dirty="0"/>
+          </a:p>
+          <a:p>
+            <a:r>
+              <a:rPr lang="en-US" altLang="ko-KR" dirty="0"/>
+              <a:t>    </a:t>
+            </a:r>
+            <a:r>
+              <a:rPr lang="ko-KR" altLang="en-US" dirty="0"/>
+              <a:t>하였지만 정보 부족으로 인해 삭제</a:t>
+            </a:r>
+          </a:p>
+        </p:txBody>
+      </p:sp>
+    </p:spTree>
+    <p:extLst>
+      <p:ext uri="{BB962C8B-B14F-4D97-AF65-F5344CB8AC3E}">
+        <p14:creationId xmlns:p14="http://schemas.microsoft.com/office/powerpoint/2010/main" val="1136315988"/>
+      </p:ext>
+    </p:extLst>
+  </p:cSld>
+  <p:clrMapOvr>
+    <a:masterClrMapping/>
+  </p:clrMapOvr>
+</p:sld>
+</file>
+
+<file path=ppt/slides/slide8.xml><?xml version="1.0" encoding="utf-8"?>
 <p:sld xmlns:a="http://schemas.openxmlformats.org/drawingml/2006/main" xmlns:r="http://schemas.openxmlformats.org/officeDocument/2006/relationships" xmlns:p="http://schemas.openxmlformats.org/presentationml/2006/main">
   <p:cSld>
     <p:spTree>
@@ -9017,7 +10772,7 @@
           <p:spPr>
             <a:xfrm>
               <a:off x="998446" y="436524"/>
-              <a:ext cx="335348" cy="369332"/>
+              <a:ext cx="311304" cy="369332"/>
             </a:xfrm>
             <a:prstGeom prst="rect">
               <a:avLst/>
@@ -9042,7 +10797,7 @@
                   <a:latin typeface="210 콤퓨타세탁 L" panose="02020603020101020101" pitchFamily="18" charset="-127"/>
                   <a:ea typeface="210 콤퓨타세탁 L" panose="02020603020101020101" pitchFamily="18" charset="-127"/>
                 </a:rPr>
-                <a:t>3</a:t>
+                <a:t>4</a:t>
               </a:r>
               <a:endParaRPr lang="ko-KR" altLang="en-US" dirty="0">
                 <a:solidFill>
@@ -9070,7 +10825,7 @@
           <p:nvPr>
             <p:extLst>
               <p:ext uri="{D42A27DB-BD31-4B8C-83A1-F6EECF244321}">
-                <p14:modId xmlns:p14="http://schemas.microsoft.com/office/powerpoint/2010/main" val="3810784820"/>
+                <p14:modId xmlns:p14="http://schemas.microsoft.com/office/powerpoint/2010/main" val="2053122479"/>
               </p:ext>
             </p:extLst>
           </p:nvPr>
@@ -9273,7 +11028,7 @@
                       <a:pPr algn="ctr" latinLnBrk="1"/>
                       <a:r>
                         <a:rPr lang="en-US" altLang="ko-KR" dirty="0"/>
-                        <a:t>80%</a:t>
+                        <a:t>100%</a:t>
                       </a:r>
                       <a:endParaRPr lang="ko-KR" altLang="en-US" dirty="0"/>
                     </a:p>
@@ -9349,7 +11104,7 @@
                       <a:pPr algn="ctr" latinLnBrk="1"/>
                       <a:r>
                         <a:rPr lang="en-US" altLang="ko-KR" dirty="0"/>
-                        <a:t>70%</a:t>
+                        <a:t>100%</a:t>
                       </a:r>
                       <a:endParaRPr lang="ko-KR" altLang="en-US" dirty="0"/>
                     </a:p>
@@ -9484,7 +11239,7 @@
                       <a:pPr algn="ctr" latinLnBrk="1"/>
                       <a:r>
                         <a:rPr lang="en-US" altLang="ko-KR" dirty="0"/>
-                        <a:t>20%</a:t>
+                        <a:t>100%</a:t>
                       </a:r>
                       <a:endParaRPr lang="ko-KR" altLang="en-US" dirty="0"/>
                     </a:p>
@@ -9619,15 +11374,7 @@
                       <a:pPr algn="ctr" latinLnBrk="1"/>
                       <a:r>
                         <a:rPr lang="ko-KR" altLang="en-US" sz="1300" dirty="0"/>
-                        <a:t>맞춤형 특기병 </a:t>
-                      </a:r>
-                      <a:r>
-                        <a:rPr lang="en-US" altLang="ko-KR" sz="1300" dirty="0"/>
-                        <a:t>/ </a:t>
-                      </a:r>
-                      <a:r>
-                        <a:rPr lang="ko-KR" altLang="en-US" sz="1300" dirty="0"/>
-                        <a:t>징병검사 신체검사 </a:t>
+                        <a:t>맞춤형 특기병</a:t>
                       </a:r>
                       <a:endParaRPr lang="en-US" altLang="ko-KR" sz="1300" dirty="0"/>
                     </a:p>
@@ -9647,6 +11394,10 @@
                     <a:lstStyle/>
                     <a:p>
                       <a:pPr algn="ctr" latinLnBrk="1"/>
+                      <a:r>
+                        <a:rPr lang="en-US" altLang="ko-KR" dirty="0"/>
+                        <a:t>100%</a:t>
+                      </a:r>
                       <a:endParaRPr lang="ko-KR" altLang="en-US" dirty="0"/>
                     </a:p>
                   </a:txBody>
@@ -9759,6 +11510,10 @@
                     <a:lstStyle/>
                     <a:p>
                       <a:pPr algn="ctr" latinLnBrk="1"/>
+                      <a:r>
+                        <a:rPr lang="en-US" altLang="ko-KR" dirty="0"/>
+                        <a:t>100%</a:t>
+                      </a:r>
                       <a:endParaRPr lang="ko-KR" altLang="en-US" dirty="0"/>
                     </a:p>
                   </a:txBody>
@@ -9797,23 +11552,7 @@
                       <a:pPr algn="ctr" latinLnBrk="1"/>
                       <a:r>
                         <a:rPr lang="ko-KR" altLang="en-US" sz="1500" dirty="0"/>
-                        <a:t>이메일</a:t>
-                      </a:r>
-                      <a:r>
-                        <a:rPr lang="en-US" altLang="ko-KR" sz="1500" dirty="0"/>
-                        <a:t>, </a:t>
-                      </a:r>
-                      <a:r>
-                        <a:rPr lang="ko-KR" altLang="en-US" sz="1500" dirty="0"/>
                         <a:t>데이터베이스</a:t>
-                      </a:r>
-                      <a:endParaRPr lang="en-US" altLang="ko-KR" sz="1500" dirty="0"/>
-                    </a:p>
-                    <a:p>
-                      <a:pPr algn="ctr" latinLnBrk="1"/>
-                      <a:r>
-                        <a:rPr lang="ko-KR" altLang="en-US" sz="1500" dirty="0"/>
-                        <a:t>지도 연동 구현</a:t>
                       </a:r>
                     </a:p>
                   </a:txBody>
@@ -9823,14 +11562,6 @@
                   <a:txBody>
                     <a:bodyPr/>
                     <a:lstStyle/>
-                    <a:p>
-                      <a:pPr algn="ctr" latinLnBrk="1"/>
-                      <a:r>
-                        <a:rPr lang="ko-KR" altLang="en-US" sz="1300" dirty="0"/>
-                        <a:t>정보 이메일로 보내기</a:t>
-                      </a:r>
-                      <a:endParaRPr lang="en-US" altLang="ko-KR" sz="1300" dirty="0"/>
-                    </a:p>
                     <a:p>
                       <a:pPr algn="ctr" latinLnBrk="1"/>
                       <a:r>
@@ -9847,7 +11578,11 @@
                     <a:lstStyle/>
                     <a:p>
                       <a:pPr algn="ctr" latinLnBrk="1"/>
-                      <a:endParaRPr lang="ko-KR" altLang="en-US"/>
+                      <a:r>
+                        <a:rPr lang="en-US" altLang="ko-KR" dirty="0"/>
+                        <a:t>100%</a:t>
+                      </a:r>
+                      <a:endParaRPr lang="ko-KR" altLang="en-US" dirty="0"/>
                     </a:p>
                   </a:txBody>
                   <a:tcPr anchor="ctr"/>
@@ -9911,6 +11646,10 @@
                     <a:lstStyle/>
                     <a:p>
                       <a:pPr algn="ctr" latinLnBrk="1"/>
+                      <a:r>
+                        <a:rPr lang="en-US" altLang="ko-KR" dirty="0"/>
+                        <a:t>100%</a:t>
+                      </a:r>
                       <a:endParaRPr lang="ko-KR" altLang="en-US" dirty="0"/>
                     </a:p>
                   </a:txBody>
@@ -9939,7 +11678,7 @@
 </p:sld>
 </file>
 
-<file path=ppt/slides/slide8.xml><?xml version="1.0" encoding="utf-8"?>
+<file path=ppt/slides/slide9.xml><?xml version="1.0" encoding="utf-8"?>
 <p:sld xmlns:a="http://schemas.openxmlformats.org/drawingml/2006/main" xmlns:r="http://schemas.openxmlformats.org/officeDocument/2006/relationships" xmlns:p="http://schemas.openxmlformats.org/presentationml/2006/main">
   <p:cSld>
     <p:spTree>
@@ -9956,66 +11695,519 @@
           <a:chExt cx="0" cy="0"/>
         </a:xfrm>
       </p:grpSpPr>
+      <p:sp>
+        <p:nvSpPr>
+          <p:cNvPr id="6" name="직사각형 5"/>
+          <p:cNvSpPr/>
+          <p:nvPr/>
+        </p:nvSpPr>
+        <p:spPr>
+          <a:xfrm>
+            <a:off x="438824" y="645549"/>
+            <a:ext cx="11314351" cy="5566901"/>
+          </a:xfrm>
+          <a:prstGeom prst="rect">
+            <a:avLst/>
+          </a:prstGeom>
+          <a:noFill/>
+          <a:ln w="25400">
+            <a:solidFill>
+              <a:srgbClr val="565658"/>
+            </a:solidFill>
+          </a:ln>
+          <a:effectLst/>
+        </p:spPr>
+        <p:style>
+          <a:lnRef idx="2">
+            <a:schemeClr val="accent1">
+              <a:shade val="50000"/>
+            </a:schemeClr>
+          </a:lnRef>
+          <a:fillRef idx="1">
+            <a:schemeClr val="accent1"/>
+          </a:fillRef>
+          <a:effectRef idx="0">
+            <a:schemeClr val="accent1"/>
+          </a:effectRef>
+          <a:fontRef idx="minor">
+            <a:schemeClr val="lt1"/>
+          </a:fontRef>
+        </p:style>
+        <p:txBody>
+          <a:bodyPr rtlCol="0" anchor="ctr"/>
+          <a:lstStyle/>
+          <a:p>
+            <a:pPr algn="ctr"/>
+            <a:endParaRPr lang="ko-KR" altLang="en-US"/>
+          </a:p>
+        </p:txBody>
+      </p:sp>
+      <p:sp>
+        <p:nvSpPr>
+          <p:cNvPr id="79" name="타원 78"/>
+          <p:cNvSpPr/>
+          <p:nvPr/>
+        </p:nvSpPr>
+        <p:spPr>
+          <a:xfrm rot="16200000">
+            <a:off x="5390287" y="6434669"/>
+            <a:ext cx="94593" cy="94593"/>
+          </a:xfrm>
+          <a:prstGeom prst="ellipse">
+            <a:avLst/>
+          </a:prstGeom>
+          <a:solidFill>
+            <a:srgbClr val="565658"/>
+          </a:solidFill>
+          <a:ln>
+            <a:noFill/>
+          </a:ln>
+        </p:spPr>
+        <p:style>
+          <a:lnRef idx="2">
+            <a:schemeClr val="accent1">
+              <a:shade val="50000"/>
+            </a:schemeClr>
+          </a:lnRef>
+          <a:fillRef idx="1">
+            <a:schemeClr val="accent1"/>
+          </a:fillRef>
+          <a:effectRef idx="0">
+            <a:schemeClr val="accent1"/>
+          </a:effectRef>
+          <a:fontRef idx="minor">
+            <a:schemeClr val="lt1"/>
+          </a:fontRef>
+        </p:style>
+        <p:txBody>
+          <a:bodyPr rtlCol="0" anchor="ctr"/>
+          <a:lstStyle/>
+          <a:p>
+            <a:pPr algn="ctr"/>
+            <a:endParaRPr lang="ko-KR" altLang="en-US"/>
+          </a:p>
+        </p:txBody>
+      </p:sp>
+      <p:sp>
+        <p:nvSpPr>
+          <p:cNvPr id="80" name="타원 79"/>
+          <p:cNvSpPr/>
+          <p:nvPr/>
+        </p:nvSpPr>
+        <p:spPr>
+          <a:xfrm rot="16200000">
+            <a:off x="5719495" y="6434669"/>
+            <a:ext cx="94593" cy="94593"/>
+          </a:xfrm>
+          <a:prstGeom prst="ellipse">
+            <a:avLst/>
+          </a:prstGeom>
+          <a:solidFill>
+            <a:srgbClr val="565658"/>
+          </a:solidFill>
+          <a:ln>
+            <a:noFill/>
+          </a:ln>
+        </p:spPr>
+        <p:style>
+          <a:lnRef idx="2">
+            <a:schemeClr val="accent1">
+              <a:shade val="50000"/>
+            </a:schemeClr>
+          </a:lnRef>
+          <a:fillRef idx="1">
+            <a:schemeClr val="accent1"/>
+          </a:fillRef>
+          <a:effectRef idx="0">
+            <a:schemeClr val="accent1"/>
+          </a:effectRef>
+          <a:fontRef idx="minor">
+            <a:schemeClr val="lt1"/>
+          </a:fontRef>
+        </p:style>
+        <p:txBody>
+          <a:bodyPr rtlCol="0" anchor="ctr"/>
+          <a:lstStyle/>
+          <a:p>
+            <a:pPr algn="ctr"/>
+            <a:endParaRPr lang="ko-KR" altLang="en-US"/>
+          </a:p>
+        </p:txBody>
+      </p:sp>
+      <p:sp>
+        <p:nvSpPr>
+          <p:cNvPr id="81" name="타원 80"/>
+          <p:cNvSpPr/>
+          <p:nvPr/>
+        </p:nvSpPr>
+        <p:spPr>
+          <a:xfrm rot="16200000">
+            <a:off x="6048703" y="6434669"/>
+            <a:ext cx="94593" cy="94593"/>
+          </a:xfrm>
+          <a:prstGeom prst="ellipse">
+            <a:avLst/>
+          </a:prstGeom>
+          <a:noFill/>
+          <a:ln w="38100">
+            <a:solidFill>
+              <a:srgbClr val="FBCC56"/>
+            </a:solidFill>
+          </a:ln>
+        </p:spPr>
+        <p:style>
+          <a:lnRef idx="2">
+            <a:schemeClr val="accent1">
+              <a:shade val="50000"/>
+            </a:schemeClr>
+          </a:lnRef>
+          <a:fillRef idx="1">
+            <a:schemeClr val="accent1"/>
+          </a:fillRef>
+          <a:effectRef idx="0">
+            <a:schemeClr val="accent1"/>
+          </a:effectRef>
+          <a:fontRef idx="minor">
+            <a:schemeClr val="lt1"/>
+          </a:fontRef>
+        </p:style>
+        <p:txBody>
+          <a:bodyPr rtlCol="0" anchor="ctr"/>
+          <a:lstStyle/>
+          <a:p>
+            <a:pPr algn="ctr"/>
+            <a:endParaRPr lang="ko-KR" altLang="en-US"/>
+          </a:p>
+        </p:txBody>
+      </p:sp>
+      <p:sp>
+        <p:nvSpPr>
+          <p:cNvPr id="62" name="직사각형 61"/>
+          <p:cNvSpPr/>
+          <p:nvPr/>
+        </p:nvSpPr>
+        <p:spPr>
+          <a:xfrm>
+            <a:off x="714375" y="525780"/>
+            <a:ext cx="1941019" cy="266700"/>
+          </a:xfrm>
+          <a:prstGeom prst="rect">
+            <a:avLst/>
+          </a:prstGeom>
+          <a:solidFill>
+            <a:srgbClr val="EBEBED"/>
+          </a:solidFill>
+          <a:ln>
+            <a:noFill/>
+          </a:ln>
+        </p:spPr>
+        <p:style>
+          <a:lnRef idx="2">
+            <a:schemeClr val="accent1">
+              <a:shade val="50000"/>
+            </a:schemeClr>
+          </a:lnRef>
+          <a:fillRef idx="1">
+            <a:schemeClr val="accent1"/>
+          </a:fillRef>
+          <a:effectRef idx="0">
+            <a:schemeClr val="accent1"/>
+          </a:effectRef>
+          <a:fontRef idx="minor">
+            <a:schemeClr val="lt1"/>
+          </a:fontRef>
+        </p:style>
+        <p:txBody>
+          <a:bodyPr rtlCol="0" anchor="ctr"/>
+          <a:lstStyle/>
+          <a:p>
+            <a:pPr algn="ctr"/>
+            <a:endParaRPr lang="ko-KR" altLang="en-US"/>
+          </a:p>
+        </p:txBody>
+      </p:sp>
+      <p:sp>
+        <p:nvSpPr>
+          <p:cNvPr id="141" name="TextBox 140"/>
+          <p:cNvSpPr txBox="1"/>
+          <p:nvPr/>
+        </p:nvSpPr>
+        <p:spPr>
+          <a:xfrm>
+            <a:off x="1565031" y="508791"/>
+            <a:ext cx="731290" cy="307777"/>
+          </a:xfrm>
+          <a:prstGeom prst="rect">
+            <a:avLst/>
+          </a:prstGeom>
+          <a:noFill/>
+          <a:scene3d>
+            <a:camera prst="obliqueTopLeft"/>
+            <a:lightRig rig="threePt" dir="t"/>
+          </a:scene3d>
+        </p:spPr>
+        <p:txBody>
+          <a:bodyPr wrap="none" rtlCol="0">
+            <a:spAutoFit/>
+          </a:bodyPr>
+          <a:lstStyle/>
+          <a:p>
+            <a:r>
+              <a:rPr lang="ko-KR" altLang="en-US" sz="1400" dirty="0">
+                <a:solidFill>
+                  <a:srgbClr val="565658"/>
+                </a:solidFill>
+                <a:latin typeface="210 콤퓨타세탁 L" panose="02020603020101020101" pitchFamily="18" charset="-127"/>
+                <a:ea typeface="210 콤퓨타세탁 L" panose="02020603020101020101" pitchFamily="18" charset="-127"/>
+              </a:rPr>
+              <a:t>일   정</a:t>
+            </a:r>
+          </a:p>
+        </p:txBody>
+      </p:sp>
       <p:grpSp>
         <p:nvGrpSpPr>
-          <p:cNvPr id="24" name="그룹 23"/>
+          <p:cNvPr id="186" name="그룹 185"/>
           <p:cNvGrpSpPr/>
           <p:nvPr/>
         </p:nvGrpSpPr>
         <p:grpSpPr>
           <a:xfrm>
-            <a:off x="2797719" y="2740059"/>
-            <a:ext cx="6587060" cy="1446291"/>
-            <a:chOff x="2798154" y="3677660"/>
-            <a:chExt cx="6587060" cy="1446291"/>
+            <a:off x="767992" y="293986"/>
+            <a:ext cx="797039" cy="511870"/>
+            <a:chOff x="767992" y="293986"/>
+            <a:chExt cx="797039" cy="511870"/>
           </a:xfrm>
         </p:grpSpPr>
-        <p:cxnSp>
-          <p:nvCxnSpPr>
-            <p:cNvPr id="5" name="직선 연결선 4"/>
-            <p:cNvCxnSpPr/>
+        <p:sp>
+          <p:nvSpPr>
+            <p:cNvPr id="140" name="자유형 139"/>
+            <p:cNvSpPr/>
             <p:nvPr/>
-          </p:nvCxnSpPr>
+          </p:nvSpPr>
           <p:spPr>
-            <a:xfrm flipV="1">
-              <a:off x="2869795" y="3819669"/>
-              <a:ext cx="2286356" cy="18833"/>
+            <a:xfrm>
+              <a:off x="767992" y="293986"/>
+              <a:ext cx="797039" cy="442723"/>
             </a:xfrm>
-            <a:prstGeom prst="line">
+            <a:custGeom>
               <a:avLst/>
-            </a:prstGeom>
-            <a:ln w="31750" cap="rnd">
-              <a:solidFill>
-                <a:srgbClr val="565658"/>
-              </a:solidFill>
-              <a:round/>
+              <a:gdLst>
+                <a:gd name="connsiteX0" fmla="*/ 1906329 w 3145074"/>
+                <a:gd name="connsiteY0" fmla="*/ 0 h 1746961"/>
+                <a:gd name="connsiteX1" fmla="*/ 2543211 w 3145074"/>
+                <a:gd name="connsiteY1" fmla="*/ 519074 h 1746961"/>
+                <a:gd name="connsiteX2" fmla="*/ 2550041 w 3145074"/>
+                <a:gd name="connsiteY2" fmla="*/ 586822 h 1746961"/>
+                <a:gd name="connsiteX3" fmla="*/ 2626000 w 3145074"/>
+                <a:gd name="connsiteY3" fmla="*/ 594480 h 1746961"/>
+                <a:gd name="connsiteX4" fmla="*/ 3145074 w 3145074"/>
+                <a:gd name="connsiteY4" fmla="*/ 1231362 h 1746961"/>
+                <a:gd name="connsiteX5" fmla="*/ 2954667 w 3145074"/>
+                <a:gd name="connsiteY5" fmla="*/ 1691045 h 1746961"/>
+                <a:gd name="connsiteX6" fmla="*/ 2886897 w 3145074"/>
+                <a:gd name="connsiteY6" fmla="*/ 1746961 h 1746961"/>
+                <a:gd name="connsiteX7" fmla="*/ 328154 w 3145074"/>
+                <a:gd name="connsiteY7" fmla="*/ 1746961 h 1746961"/>
+                <a:gd name="connsiteX8" fmla="*/ 311080 w 3145074"/>
+                <a:gd name="connsiteY8" fmla="*/ 1741661 h 1746961"/>
+                <a:gd name="connsiteX9" fmla="*/ 0 w 3145074"/>
+                <a:gd name="connsiteY9" fmla="*/ 1272350 h 1746961"/>
+                <a:gd name="connsiteX10" fmla="*/ 406688 w 3145074"/>
+                <a:gd name="connsiteY10" fmla="*/ 773361 h 1746961"/>
+                <a:gd name="connsiteX11" fmla="*/ 471248 w 3145074"/>
+                <a:gd name="connsiteY11" fmla="*/ 766853 h 1746961"/>
+                <a:gd name="connsiteX12" fmla="*/ 478693 w 3145074"/>
+                <a:gd name="connsiteY12" fmla="*/ 742871 h 1746961"/>
+                <a:gd name="connsiteX13" fmla="*/ 1049392 w 3145074"/>
+                <a:gd name="connsiteY13" fmla="*/ 364586 h 1746961"/>
+                <a:gd name="connsiteX14" fmla="*/ 1290480 w 3145074"/>
+                <a:gd name="connsiteY14" fmla="*/ 413260 h 1746961"/>
+                <a:gd name="connsiteX15" fmla="*/ 1300590 w 3145074"/>
+                <a:gd name="connsiteY15" fmla="*/ 418747 h 1746961"/>
+                <a:gd name="connsiteX16" fmla="*/ 1307327 w 3145074"/>
+                <a:gd name="connsiteY16" fmla="*/ 397046 h 1746961"/>
+                <a:gd name="connsiteX17" fmla="*/ 1906329 w 3145074"/>
+                <a:gd name="connsiteY17" fmla="*/ 0 h 1746961"/>
+              </a:gdLst>
+              <a:ahLst/>
+              <a:cxnLst>
+                <a:cxn ang="0">
+                  <a:pos x="connsiteX0" y="connsiteY0"/>
+                </a:cxn>
+                <a:cxn ang="0">
+                  <a:pos x="connsiteX1" y="connsiteY1"/>
+                </a:cxn>
+                <a:cxn ang="0">
+                  <a:pos x="connsiteX2" y="connsiteY2"/>
+                </a:cxn>
+                <a:cxn ang="0">
+                  <a:pos x="connsiteX3" y="connsiteY3"/>
+                </a:cxn>
+                <a:cxn ang="0">
+                  <a:pos x="connsiteX4" y="connsiteY4"/>
+                </a:cxn>
+                <a:cxn ang="0">
+                  <a:pos x="connsiteX5" y="connsiteY5"/>
+                </a:cxn>
+                <a:cxn ang="0">
+                  <a:pos x="connsiteX6" y="connsiteY6"/>
+                </a:cxn>
+                <a:cxn ang="0">
+                  <a:pos x="connsiteX7" y="connsiteY7"/>
+                </a:cxn>
+                <a:cxn ang="0">
+                  <a:pos x="connsiteX8" y="connsiteY8"/>
+                </a:cxn>
+                <a:cxn ang="0">
+                  <a:pos x="connsiteX9" y="connsiteY9"/>
+                </a:cxn>
+                <a:cxn ang="0">
+                  <a:pos x="connsiteX10" y="connsiteY10"/>
+                </a:cxn>
+                <a:cxn ang="0">
+                  <a:pos x="connsiteX11" y="connsiteY11"/>
+                </a:cxn>
+                <a:cxn ang="0">
+                  <a:pos x="connsiteX12" y="connsiteY12"/>
+                </a:cxn>
+                <a:cxn ang="0">
+                  <a:pos x="connsiteX13" y="connsiteY13"/>
+                </a:cxn>
+                <a:cxn ang="0">
+                  <a:pos x="connsiteX14" y="connsiteY14"/>
+                </a:cxn>
+                <a:cxn ang="0">
+                  <a:pos x="connsiteX15" y="connsiteY15"/>
+                </a:cxn>
+                <a:cxn ang="0">
+                  <a:pos x="connsiteX16" y="connsiteY16"/>
+                </a:cxn>
+                <a:cxn ang="0">
+                  <a:pos x="connsiteX17" y="connsiteY17"/>
+                </a:cxn>
+              </a:cxnLst>
+              <a:rect l="l" t="t" r="r" b="b"/>
+              <a:pathLst>
+                <a:path w="3145074" h="1746961">
+                  <a:moveTo>
+                    <a:pt x="1906329" y="0"/>
+                  </a:moveTo>
+                  <a:cubicBezTo>
+                    <a:pt x="2220485" y="0"/>
+                    <a:pt x="2482593" y="222839"/>
+                    <a:pt x="2543211" y="519074"/>
+                  </a:cubicBezTo>
+                  <a:lnTo>
+                    <a:pt x="2550041" y="586822"/>
+                  </a:lnTo>
+                  <a:lnTo>
+                    <a:pt x="2626000" y="594480"/>
+                  </a:lnTo>
+                  <a:cubicBezTo>
+                    <a:pt x="2922235" y="655098"/>
+                    <a:pt x="3145074" y="917206"/>
+                    <a:pt x="3145074" y="1231362"/>
+                  </a:cubicBezTo>
+                  <a:cubicBezTo>
+                    <a:pt x="3145074" y="1410880"/>
+                    <a:pt x="3072310" y="1573402"/>
+                    <a:pt x="2954667" y="1691045"/>
+                  </a:cubicBezTo>
+                  <a:lnTo>
+                    <a:pt x="2886897" y="1746961"/>
+                  </a:lnTo>
+                  <a:lnTo>
+                    <a:pt x="328154" y="1746961"/>
+                  </a:lnTo>
+                  <a:lnTo>
+                    <a:pt x="311080" y="1741661"/>
+                  </a:lnTo>
+                  <a:cubicBezTo>
+                    <a:pt x="128272" y="1664339"/>
+                    <a:pt x="0" y="1483324"/>
+                    <a:pt x="0" y="1272350"/>
+                  </a:cubicBezTo>
+                  <a:cubicBezTo>
+                    <a:pt x="0" y="1026213"/>
+                    <a:pt x="174592" y="820855"/>
+                    <a:pt x="406688" y="773361"/>
+                  </a:cubicBezTo>
+                  <a:lnTo>
+                    <a:pt x="471248" y="766853"/>
+                  </a:lnTo>
+                  <a:lnTo>
+                    <a:pt x="478693" y="742871"/>
+                  </a:lnTo>
+                  <a:cubicBezTo>
+                    <a:pt x="572719" y="520569"/>
+                    <a:pt x="792840" y="364586"/>
+                    <a:pt x="1049392" y="364586"/>
+                  </a:cubicBezTo>
+                  <a:cubicBezTo>
+                    <a:pt x="1134910" y="364586"/>
+                    <a:pt x="1216379" y="381918"/>
+                    <a:pt x="1290480" y="413260"/>
+                  </a:cubicBezTo>
+                  <a:lnTo>
+                    <a:pt x="1300590" y="418747"/>
+                  </a:lnTo>
+                  <a:lnTo>
+                    <a:pt x="1307327" y="397046"/>
+                  </a:lnTo>
+                  <a:cubicBezTo>
+                    <a:pt x="1406016" y="163719"/>
+                    <a:pt x="1637053" y="0"/>
+                    <a:pt x="1906329" y="0"/>
+                  </a:cubicBezTo>
+                  <a:close/>
+                </a:path>
+              </a:pathLst>
+            </a:custGeom>
+            <a:solidFill>
+              <a:srgbClr val="FBCC56"/>
+            </a:solidFill>
+            <a:ln>
+              <a:noFill/>
             </a:ln>
           </p:spPr>
           <p:style>
-            <a:lnRef idx="1">
-              <a:schemeClr val="accent1"/>
+            <a:lnRef idx="2">
+              <a:schemeClr val="accent1">
+                <a:shade val="50000"/>
+              </a:schemeClr>
             </a:lnRef>
-            <a:fillRef idx="0">
+            <a:fillRef idx="1">
               <a:schemeClr val="accent1"/>
             </a:fillRef>
             <a:effectRef idx="0">
               <a:schemeClr val="accent1"/>
             </a:effectRef>
             <a:fontRef idx="minor">
-              <a:schemeClr val="tx1"/>
+              <a:schemeClr val="lt1"/>
             </a:fontRef>
           </p:style>
-        </p:cxnSp>
+          <p:txBody>
+            <a:bodyPr wrap="square" rtlCol="0" anchor="ctr">
+              <a:noAutofit/>
+            </a:bodyPr>
+            <a:lstStyle/>
+            <a:p>
+              <a:pPr algn="ctr"/>
+              <a:endParaRPr lang="ko-KR" altLang="en-US"/>
+            </a:p>
+          </p:txBody>
+        </p:sp>
         <p:sp>
           <p:nvSpPr>
-            <p:cNvPr id="7" name="TextBox 6"/>
+            <p:cNvPr id="142" name="TextBox 141"/>
             <p:cNvSpPr txBox="1"/>
             <p:nvPr/>
           </p:nvSpPr>
           <p:spPr>
             <a:xfrm>
-              <a:off x="2798154" y="4016085"/>
-              <a:ext cx="6587060" cy="769441"/>
+              <a:off x="998446" y="436524"/>
+              <a:ext cx="311304" cy="369332"/>
             </a:xfrm>
             <a:prstGeom prst="rect">
               <a:avLst/>
@@ -10033,203 +12225,18 @@
             <a:lstStyle/>
             <a:p>
               <a:r>
-                <a:rPr lang="ko-KR" altLang="en-US" sz="4400" dirty="0">
+                <a:rPr lang="en-US" altLang="ko-KR" dirty="0">
                   <a:solidFill>
-                    <a:srgbClr val="565658"/>
+                    <a:schemeClr val="bg1"/>
                   </a:solidFill>
                   <a:latin typeface="210 콤퓨타세탁 L" panose="02020603020101020101" pitchFamily="18" charset="-127"/>
                   <a:ea typeface="210 콤퓨타세탁 L" panose="02020603020101020101" pitchFamily="18" charset="-127"/>
                 </a:rPr>
-                <a:t>발표 </a:t>
+                <a:t>4</a:t>
               </a:r>
-              <a:r>
-                <a:rPr lang="ko-KR" altLang="en-US" sz="4400" dirty="0">
-                  <a:solidFill>
-                    <a:srgbClr val="2BA3DA"/>
-                  </a:solidFill>
-                  <a:latin typeface="210 콤퓨타세탁 L" panose="02020603020101020101" pitchFamily="18" charset="-127"/>
-                  <a:ea typeface="210 콤퓨타세탁 L" panose="02020603020101020101" pitchFamily="18" charset="-127"/>
-                </a:rPr>
-                <a:t>들</a:t>
-              </a:r>
-              <a:r>
-                <a:rPr lang="ko-KR" altLang="en-US" sz="4400" dirty="0">
-                  <a:solidFill>
-                    <a:srgbClr val="7FC541"/>
-                  </a:solidFill>
-                  <a:latin typeface="210 콤퓨타세탁 L" panose="02020603020101020101" pitchFamily="18" charset="-127"/>
-                  <a:ea typeface="210 콤퓨타세탁 L" panose="02020603020101020101" pitchFamily="18" charset="-127"/>
-                </a:rPr>
-                <a:t>어</a:t>
-              </a:r>
-              <a:r>
-                <a:rPr lang="ko-KR" altLang="en-US" sz="4400" dirty="0">
-                  <a:solidFill>
-                    <a:srgbClr val="E75C35"/>
-                  </a:solidFill>
-                  <a:latin typeface="210 콤퓨타세탁 L" panose="02020603020101020101" pitchFamily="18" charset="-127"/>
-                  <a:ea typeface="210 콤퓨타세탁 L" panose="02020603020101020101" pitchFamily="18" charset="-127"/>
-                </a:rPr>
-                <a:t>주</a:t>
-              </a:r>
-              <a:r>
-                <a:rPr lang="ko-KR" altLang="en-US" sz="4400" dirty="0">
-                  <a:solidFill>
-                    <a:srgbClr val="EA4F9B"/>
-                  </a:solidFill>
-                  <a:latin typeface="210 콤퓨타세탁 L" panose="02020603020101020101" pitchFamily="18" charset="-127"/>
-                  <a:ea typeface="210 콤퓨타세탁 L" panose="02020603020101020101" pitchFamily="18" charset="-127"/>
-                </a:rPr>
-                <a:t>셔</a:t>
-              </a:r>
-              <a:r>
-                <a:rPr lang="ko-KR" altLang="en-US" sz="4400" dirty="0">
-                  <a:solidFill>
-                    <a:srgbClr val="EE8F1E"/>
-                  </a:solidFill>
-                  <a:latin typeface="210 콤퓨타세탁 L" panose="02020603020101020101" pitchFamily="18" charset="-127"/>
-                  <a:ea typeface="210 콤퓨타세탁 L" panose="02020603020101020101" pitchFamily="18" charset="-127"/>
-                </a:rPr>
-                <a:t>서</a:t>
-              </a:r>
-              <a:r>
-                <a:rPr lang="ko-KR" altLang="en-US" sz="4400" dirty="0">
-                  <a:solidFill>
-                    <a:srgbClr val="565658"/>
-                  </a:solidFill>
-                  <a:latin typeface="210 콤퓨타세탁 L" panose="02020603020101020101" pitchFamily="18" charset="-127"/>
-                  <a:ea typeface="210 콤퓨타세탁 L" panose="02020603020101020101" pitchFamily="18" charset="-127"/>
-                </a:rPr>
-                <a:t> 감사합니다</a:t>
-              </a:r>
-            </a:p>
-          </p:txBody>
-        </p:sp>
-        <p:cxnSp>
-          <p:nvCxnSpPr>
-            <p:cNvPr id="8" name="직선 연결선 7"/>
-            <p:cNvCxnSpPr/>
-            <p:nvPr/>
-          </p:nvCxnSpPr>
-          <p:spPr>
-            <a:xfrm>
-              <a:off x="2869795" y="5123951"/>
-              <a:ext cx="6324210" cy="0"/>
-            </a:xfrm>
-            <a:prstGeom prst="line">
-              <a:avLst/>
-            </a:prstGeom>
-            <a:ln w="31750" cap="rnd">
-              <a:solidFill>
-                <a:srgbClr val="565658"/>
-              </a:solidFill>
-              <a:round/>
-            </a:ln>
-          </p:spPr>
-          <p:style>
-            <a:lnRef idx="1">
-              <a:schemeClr val="accent1"/>
-            </a:lnRef>
-            <a:fillRef idx="0">
-              <a:schemeClr val="accent1"/>
-            </a:fillRef>
-            <a:effectRef idx="0">
-              <a:schemeClr val="accent1"/>
-            </a:effectRef>
-            <a:fontRef idx="minor">
-              <a:schemeClr val="tx1"/>
-            </a:fontRef>
-          </p:style>
-        </p:cxnSp>
-        <p:sp>
-          <p:nvSpPr>
-            <p:cNvPr id="12" name="TextBox 11"/>
-            <p:cNvSpPr txBox="1"/>
-            <p:nvPr/>
-          </p:nvSpPr>
-          <p:spPr>
-            <a:xfrm>
-              <a:off x="4722871" y="4725001"/>
-              <a:ext cx="2746265" cy="369332"/>
-            </a:xfrm>
-            <a:prstGeom prst="rect">
-              <a:avLst/>
-            </a:prstGeom>
-            <a:noFill/>
-            <a:scene3d>
-              <a:camera prst="obliqueTopLeft"/>
-              <a:lightRig rig="threePt" dir="t"/>
-            </a:scene3d>
-          </p:spPr>
-          <p:txBody>
-            <a:bodyPr wrap="none" rtlCol="0">
-              <a:spAutoFit/>
-            </a:bodyPr>
-            <a:lstStyle/>
-            <a:p>
-              <a:pPr algn="ctr"/>
-              <a:r>
-                <a:rPr lang="ko-KR" altLang="en-US" spc="600" dirty="0">
-                  <a:solidFill>
-                    <a:srgbClr val="565658"/>
-                  </a:solidFill>
-                  <a:latin typeface="210 콤퓨타세탁 L" panose="02020603020101020101" pitchFamily="18" charset="-127"/>
-                  <a:ea typeface="210 콤퓨타세탁 L" panose="02020603020101020101" pitchFamily="18" charset="-127"/>
-                </a:rPr>
-                <a:t>조 이름을 써주세요</a:t>
-              </a:r>
-            </a:p>
-          </p:txBody>
-        </p:sp>
-        <p:sp>
-          <p:nvSpPr>
-            <p:cNvPr id="17" name="TextBox 16"/>
-            <p:cNvSpPr txBox="1"/>
-            <p:nvPr/>
-          </p:nvSpPr>
-          <p:spPr>
-            <a:xfrm>
-              <a:off x="5214188" y="3677660"/>
-              <a:ext cx="1763624" cy="369332"/>
-            </a:xfrm>
-            <a:prstGeom prst="rect">
-              <a:avLst/>
-            </a:prstGeom>
-            <a:noFill/>
-            <a:scene3d>
-              <a:camera prst="obliqueTopLeft"/>
-              <a:lightRig rig="threePt" dir="t"/>
-            </a:scene3d>
-          </p:spPr>
-          <p:txBody>
-            <a:bodyPr wrap="none" rtlCol="0">
-              <a:spAutoFit/>
-            </a:bodyPr>
-            <a:lstStyle/>
-            <a:p>
-              <a:r>
-                <a:rPr lang="ko-KR" altLang="en-US" spc="600" dirty="0">
-                  <a:solidFill>
-                    <a:srgbClr val="565658"/>
-                  </a:solidFill>
-                  <a:latin typeface="210 콤퓨타세탁 L" panose="02020603020101020101" pitchFamily="18" charset="-127"/>
-                  <a:ea typeface="210 콤퓨타세탁 L" panose="02020603020101020101" pitchFamily="18" charset="-127"/>
-                </a:rPr>
-                <a:t>감사합니다</a:t>
-              </a:r>
-              <a:r>
-                <a:rPr lang="en-US" altLang="ko-KR" spc="600" dirty="0">
-                  <a:solidFill>
-                    <a:srgbClr val="565658"/>
-                  </a:solidFill>
-                  <a:latin typeface="210 콤퓨타세탁 L" panose="02020603020101020101" pitchFamily="18" charset="-127"/>
-                  <a:ea typeface="210 콤퓨타세탁 L" panose="02020603020101020101" pitchFamily="18" charset="-127"/>
-                </a:rPr>
-                <a:t>!</a:t>
-              </a:r>
-              <a:endParaRPr lang="ko-KR" altLang="en-US" spc="600" dirty="0">
+              <a:endParaRPr lang="ko-KR" altLang="en-US" dirty="0">
                 <a:solidFill>
-                  <a:srgbClr val="565658"/>
+                  <a:schemeClr val="bg1"/>
                 </a:solidFill>
                 <a:latin typeface="210 콤퓨타세탁 L" panose="02020603020101020101" pitchFamily="18" charset="-127"/>
                 <a:ea typeface="210 콤퓨타세탁 L" panose="02020603020101020101" pitchFamily="18" charset="-127"/>
@@ -10237,47 +12244,11 @@
             </a:p>
           </p:txBody>
         </p:sp>
-        <p:cxnSp>
-          <p:nvCxnSpPr>
-            <p:cNvPr id="23" name="직선 연결선 22"/>
-            <p:cNvCxnSpPr/>
-            <p:nvPr/>
-          </p:nvCxnSpPr>
-          <p:spPr>
-            <a:xfrm flipV="1">
-              <a:off x="6907649" y="3800836"/>
-              <a:ext cx="2286356" cy="18833"/>
-            </a:xfrm>
-            <a:prstGeom prst="line">
-              <a:avLst/>
-            </a:prstGeom>
-            <a:ln w="31750" cap="rnd">
-              <a:solidFill>
-                <a:srgbClr val="565658"/>
-              </a:solidFill>
-              <a:round/>
-            </a:ln>
-          </p:spPr>
-          <p:style>
-            <a:lnRef idx="1">
-              <a:schemeClr val="accent1"/>
-            </a:lnRef>
-            <a:fillRef idx="0">
-              <a:schemeClr val="accent1"/>
-            </a:fillRef>
-            <a:effectRef idx="0">
-              <a:schemeClr val="accent1"/>
-            </a:effectRef>
-            <a:fontRef idx="minor">
-              <a:schemeClr val="tx1"/>
-            </a:fontRef>
-          </p:style>
-        </p:cxnSp>
       </p:grpSp>
     </p:spTree>
     <p:extLst>
       <p:ext uri="{BB962C8B-B14F-4D97-AF65-F5344CB8AC3E}">
-        <p14:creationId xmlns:p14="http://schemas.microsoft.com/office/powerpoint/2010/main" val="1443488727"/>
+        <p14:creationId xmlns:p14="http://schemas.microsoft.com/office/powerpoint/2010/main" val="2742463016"/>
       </p:ext>
     </p:extLst>
   </p:cSld>

--- a/발표 자료/3차 발표/[스크립트] 2014182004 권오성 과제3.pptx
+++ b/발표 자료/3차 발표/[스크립트] 2014182004 권오성 과제3.pptx
@@ -276,7 +276,7 @@
           <a:p>
             <a:fld id="{BDA66A62-4D8D-4B4A-8FC1-B2FB5A3CC144}" type="datetimeFigureOut">
               <a:rPr lang="ko-KR" altLang="en-US" smtClean="0"/>
-              <a:t>2018-06-08</a:t>
+              <a:t>2018-06-11</a:t>
             </a:fld>
             <a:endParaRPr lang="ko-KR" altLang="en-US"/>
           </a:p>
@@ -444,7 +444,7 @@
           <a:p>
             <a:fld id="{BDA66A62-4D8D-4B4A-8FC1-B2FB5A3CC144}" type="datetimeFigureOut">
               <a:rPr lang="ko-KR" altLang="en-US" smtClean="0"/>
-              <a:t>2018-06-08</a:t>
+              <a:t>2018-06-11</a:t>
             </a:fld>
             <a:endParaRPr lang="ko-KR" altLang="en-US"/>
           </a:p>
@@ -622,7 +622,7 @@
           <a:p>
             <a:fld id="{BDA66A62-4D8D-4B4A-8FC1-B2FB5A3CC144}" type="datetimeFigureOut">
               <a:rPr lang="ko-KR" altLang="en-US" smtClean="0"/>
-              <a:t>2018-06-08</a:t>
+              <a:t>2018-06-11</a:t>
             </a:fld>
             <a:endParaRPr lang="ko-KR" altLang="en-US"/>
           </a:p>
@@ -790,7 +790,7 @@
           <a:p>
             <a:fld id="{BDA66A62-4D8D-4B4A-8FC1-B2FB5A3CC144}" type="datetimeFigureOut">
               <a:rPr lang="ko-KR" altLang="en-US" smtClean="0"/>
-              <a:t>2018-06-08</a:t>
+              <a:t>2018-06-11</a:t>
             </a:fld>
             <a:endParaRPr lang="ko-KR" altLang="en-US"/>
           </a:p>
@@ -1035,7 +1035,7 @@
           <a:p>
             <a:fld id="{BDA66A62-4D8D-4B4A-8FC1-B2FB5A3CC144}" type="datetimeFigureOut">
               <a:rPr lang="ko-KR" altLang="en-US" smtClean="0"/>
-              <a:t>2018-06-08</a:t>
+              <a:t>2018-06-11</a:t>
             </a:fld>
             <a:endParaRPr lang="ko-KR" altLang="en-US"/>
           </a:p>
@@ -1264,7 +1264,7 @@
           <a:p>
             <a:fld id="{BDA66A62-4D8D-4B4A-8FC1-B2FB5A3CC144}" type="datetimeFigureOut">
               <a:rPr lang="ko-KR" altLang="en-US" smtClean="0"/>
-              <a:t>2018-06-08</a:t>
+              <a:t>2018-06-11</a:t>
             </a:fld>
             <a:endParaRPr lang="ko-KR" altLang="en-US"/>
           </a:p>
@@ -1628,7 +1628,7 @@
           <a:p>
             <a:fld id="{BDA66A62-4D8D-4B4A-8FC1-B2FB5A3CC144}" type="datetimeFigureOut">
               <a:rPr lang="ko-KR" altLang="en-US" smtClean="0"/>
-              <a:t>2018-06-08</a:t>
+              <a:t>2018-06-11</a:t>
             </a:fld>
             <a:endParaRPr lang="ko-KR" altLang="en-US"/>
           </a:p>
@@ -1745,7 +1745,7 @@
           <a:p>
             <a:fld id="{BDA66A62-4D8D-4B4A-8FC1-B2FB5A3CC144}" type="datetimeFigureOut">
               <a:rPr lang="ko-KR" altLang="en-US" smtClean="0"/>
-              <a:t>2018-06-08</a:t>
+              <a:t>2018-06-11</a:t>
             </a:fld>
             <a:endParaRPr lang="ko-KR" altLang="en-US"/>
           </a:p>
@@ -1840,7 +1840,7 @@
           <a:p>
             <a:fld id="{BDA66A62-4D8D-4B4A-8FC1-B2FB5A3CC144}" type="datetimeFigureOut">
               <a:rPr lang="ko-KR" altLang="en-US" smtClean="0"/>
-              <a:t>2018-06-08</a:t>
+              <a:t>2018-06-11</a:t>
             </a:fld>
             <a:endParaRPr lang="ko-KR" altLang="en-US"/>
           </a:p>
@@ -2115,7 +2115,7 @@
           <a:p>
             <a:fld id="{BDA66A62-4D8D-4B4A-8FC1-B2FB5A3CC144}" type="datetimeFigureOut">
               <a:rPr lang="ko-KR" altLang="en-US" smtClean="0"/>
-              <a:t>2018-06-08</a:t>
+              <a:t>2018-06-11</a:t>
             </a:fld>
             <a:endParaRPr lang="ko-KR" altLang="en-US"/>
           </a:p>
@@ -2367,7 +2367,7 @@
           <a:p>
             <a:fld id="{BDA66A62-4D8D-4B4A-8FC1-B2FB5A3CC144}" type="datetimeFigureOut">
               <a:rPr lang="ko-KR" altLang="en-US" smtClean="0"/>
-              <a:t>2018-06-08</a:t>
+              <a:t>2018-06-11</a:t>
             </a:fld>
             <a:endParaRPr lang="ko-KR" altLang="en-US"/>
           </a:p>
@@ -2581,7 +2581,7 @@
           <a:p>
             <a:fld id="{BDA66A62-4D8D-4B4A-8FC1-B2FB5A3CC144}" type="datetimeFigureOut">
               <a:rPr lang="ko-KR" altLang="en-US" smtClean="0"/>
-              <a:t>2018-06-08</a:t>
+              <a:t>2018-06-11</a:t>
             </a:fld>
             <a:endParaRPr lang="ko-KR" altLang="en-US"/>
           </a:p>
@@ -10025,7 +10025,7 @@
         <p:spPr>
           <a:xfrm>
             <a:off x="1915392" y="2573699"/>
-            <a:ext cx="6698180" cy="369332"/>
+            <a:ext cx="6929013" cy="369332"/>
           </a:xfrm>
           <a:prstGeom prst="rect">
             <a:avLst/>
@@ -10044,7 +10044,7 @@
             </a:r>
             <a:r>
               <a:rPr lang="en-US" altLang="ko-KR" dirty="0" err="1"/>
-              <a:t>Tkiter</a:t>
+              <a:t>Tkinter</a:t>
             </a:r>
             <a:r>
               <a:rPr lang="en-US" altLang="ko-KR" dirty="0"/>
@@ -12245,6 +12245,78 @@
           </p:txBody>
         </p:sp>
       </p:grpSp>
+      <p:pic>
+        <p:nvPicPr>
+          <p:cNvPr id="3" name="그림 2">
+            <a:extLst>
+              <a:ext uri="{FF2B5EF4-FFF2-40B4-BE49-F238E27FC236}">
+                <a16:creationId xmlns:a16="http://schemas.microsoft.com/office/drawing/2014/main" id="{9DB1FF03-AEDB-477D-A2A5-E2B543C8077D}"/>
+              </a:ext>
+            </a:extLst>
+          </p:cNvPr>
+          <p:cNvPicPr>
+            <a:picLocks noChangeAspect="1"/>
+          </p:cNvPicPr>
+          <p:nvPr/>
+        </p:nvPicPr>
+        <p:blipFill>
+          <a:blip r:embed="rId2">
+            <a:extLst>
+              <a:ext uri="{28A0092B-C50C-407E-A947-70E740481C1C}">
+                <a14:useLocalDpi xmlns:a14="http://schemas.microsoft.com/office/drawing/2010/main" val="0"/>
+              </a:ext>
+            </a:extLst>
+          </a:blip>
+          <a:stretch>
+            <a:fillRect/>
+          </a:stretch>
+        </p:blipFill>
+        <p:spPr>
+          <a:xfrm>
+            <a:off x="1023574" y="1048362"/>
+            <a:ext cx="10050258" cy="1619476"/>
+          </a:xfrm>
+          <a:prstGeom prst="rect">
+            <a:avLst/>
+          </a:prstGeom>
+        </p:spPr>
+      </p:pic>
+      <p:pic>
+        <p:nvPicPr>
+          <p:cNvPr id="5" name="그림 4">
+            <a:extLst>
+              <a:ext uri="{FF2B5EF4-FFF2-40B4-BE49-F238E27FC236}">
+                <a16:creationId xmlns:a16="http://schemas.microsoft.com/office/drawing/2014/main" id="{681D2549-A7D8-43B5-A67B-C5F163CE0CCE}"/>
+              </a:ext>
+            </a:extLst>
+          </p:cNvPr>
+          <p:cNvPicPr>
+            <a:picLocks noChangeAspect="1"/>
+          </p:cNvPicPr>
+          <p:nvPr/>
+        </p:nvPicPr>
+        <p:blipFill>
+          <a:blip r:embed="rId3">
+            <a:extLst>
+              <a:ext uri="{28A0092B-C50C-407E-A947-70E740481C1C}">
+                <a14:useLocalDpi xmlns:a14="http://schemas.microsoft.com/office/drawing/2010/main" val="0"/>
+              </a:ext>
+            </a:extLst>
+          </a:blip>
+          <a:stretch>
+            <a:fillRect/>
+          </a:stretch>
+        </p:blipFill>
+        <p:spPr>
+          <a:xfrm>
+            <a:off x="1023573" y="2900768"/>
+            <a:ext cx="10050259" cy="2888851"/>
+          </a:xfrm>
+          <a:prstGeom prst="rect">
+            <a:avLst/>
+          </a:prstGeom>
+        </p:spPr>
+      </p:pic>
     </p:spTree>
     <p:extLst>
       <p:ext uri="{BB962C8B-B14F-4D97-AF65-F5344CB8AC3E}">

--- a/발표 자료/3차 발표/[스크립트] 2014182004 권오성 과제3.pptx
+++ b/발표 자료/3차 발표/[스크립트] 2014182004 권오성 과제3.pptx
@@ -11,7 +11,7 @@
     <p:sldId id="274" r:id="rId5"/>
     <p:sldId id="276" r:id="rId6"/>
     <p:sldId id="277" r:id="rId7"/>
-    <p:sldId id="278" r:id="rId8"/>
+    <p:sldId id="280" r:id="rId8"/>
     <p:sldId id="269" r:id="rId9"/>
     <p:sldId id="279" r:id="rId10"/>
     <p:sldId id="270" r:id="rId11"/>
@@ -9940,7 +9940,7 @@
         </p:nvSpPr>
         <p:spPr>
           <a:xfrm>
-            <a:off x="1834979" y="2019701"/>
+            <a:off x="1834979" y="1661262"/>
             <a:ext cx="1648208" cy="553998"/>
           </a:xfrm>
           <a:prstGeom prst="rect">
@@ -10002,7 +10002,7 @@
         </p:blipFill>
         <p:spPr>
           <a:xfrm>
-            <a:off x="1309750" y="2019701"/>
+            <a:off x="1309750" y="1661262"/>
             <a:ext cx="457200" cy="457200"/>
           </a:xfrm>
           <a:prstGeom prst="rect">
@@ -10024,7 +10024,7 @@
         </p:nvSpPr>
         <p:spPr>
           <a:xfrm>
-            <a:off x="1915392" y="2573699"/>
+            <a:off x="1915392" y="2215260"/>
             <a:ext cx="6929013" cy="369332"/>
           </a:xfrm>
           <a:prstGeom prst="rect">
@@ -10095,7 +10095,7 @@
         </p:nvSpPr>
         <p:spPr>
           <a:xfrm>
-            <a:off x="1834979" y="3688611"/>
+            <a:off x="1834979" y="2862481"/>
             <a:ext cx="2887329" cy="553998"/>
           </a:xfrm>
           <a:prstGeom prst="rect">
@@ -10164,7 +10164,7 @@
         </p:blipFill>
         <p:spPr>
           <a:xfrm>
-            <a:off x="1309750" y="3688611"/>
+            <a:off x="1309750" y="2862481"/>
             <a:ext cx="457200" cy="457200"/>
           </a:xfrm>
           <a:prstGeom prst="rect">
@@ -10186,7 +10186,7 @@
         </p:nvSpPr>
         <p:spPr>
           <a:xfrm>
-            <a:off x="1915392" y="4242609"/>
+            <a:off x="1915392" y="3416479"/>
             <a:ext cx="9527223" cy="646331"/>
           </a:xfrm>
           <a:prstGeom prst="rect">
@@ -10230,10 +10230,161 @@
           </a:p>
         </p:txBody>
       </p:sp>
+      <p:sp>
+        <p:nvSpPr>
+          <p:cNvPr id="29" name="TextBox 28">
+            <a:extLst>
+              <a:ext uri="{FF2B5EF4-FFF2-40B4-BE49-F238E27FC236}">
+                <a16:creationId xmlns:a16="http://schemas.microsoft.com/office/drawing/2014/main" id="{4D62C56D-3F66-4CC2-ACF6-6A6B56BE0DAC}"/>
+              </a:ext>
+            </a:extLst>
+          </p:cNvPr>
+          <p:cNvSpPr txBox="1"/>
+          <p:nvPr/>
+        </p:nvSpPr>
+        <p:spPr>
+          <a:xfrm>
+            <a:off x="1834979" y="4319574"/>
+            <a:ext cx="1659429" cy="553998"/>
+          </a:xfrm>
+          <a:prstGeom prst="rect">
+            <a:avLst/>
+          </a:prstGeom>
+          <a:noFill/>
+        </p:spPr>
+        <p:txBody>
+          <a:bodyPr wrap="none" rtlCol="0">
+            <a:spAutoFit/>
+          </a:bodyPr>
+          <a:lstStyle/>
+          <a:p>
+            <a:r>
+              <a:rPr lang="ko-KR" altLang="en-US" sz="3000" dirty="0">
+                <a:latin typeface="휴먼모음T" panose="02030504000101010101" pitchFamily="18" charset="-127"/>
+                <a:ea typeface="휴먼모음T" panose="02030504000101010101" pitchFamily="18" charset="-127"/>
+              </a:rPr>
+              <a:t>지도 구현</a:t>
+            </a:r>
+          </a:p>
+        </p:txBody>
+      </p:sp>
+      <p:pic>
+        <p:nvPicPr>
+          <p:cNvPr id="30" name="그래픽 29" descr="문서">
+            <a:extLst>
+              <a:ext uri="{FF2B5EF4-FFF2-40B4-BE49-F238E27FC236}">
+                <a16:creationId xmlns:a16="http://schemas.microsoft.com/office/drawing/2014/main" id="{3CB965CF-8995-46DC-B98F-20972C2D0048}"/>
+              </a:ext>
+            </a:extLst>
+          </p:cNvPr>
+          <p:cNvPicPr>
+            <a:picLocks noChangeAspect="1"/>
+          </p:cNvPicPr>
+          <p:nvPr/>
+        </p:nvPicPr>
+        <p:blipFill>
+          <a:blip r:embed="rId2">
+            <a:extLst>
+              <a:ext uri="{28A0092B-C50C-407E-A947-70E740481C1C}">
+                <a14:useLocalDpi xmlns:a14="http://schemas.microsoft.com/office/drawing/2010/main" val="0"/>
+              </a:ext>
+              <a:ext uri="{96DAC541-7B7A-43D3-8B79-37D633B846F1}">
+                <asvg:svgBlip xmlns:asvg="http://schemas.microsoft.com/office/drawing/2016/SVG/main" r:embed="rId3"/>
+              </a:ext>
+            </a:extLst>
+          </a:blip>
+          <a:stretch>
+            <a:fillRect/>
+          </a:stretch>
+        </p:blipFill>
+        <p:spPr>
+          <a:xfrm>
+            <a:off x="1309750" y="4319574"/>
+            <a:ext cx="457200" cy="457200"/>
+          </a:xfrm>
+          <a:prstGeom prst="rect">
+            <a:avLst/>
+          </a:prstGeom>
+        </p:spPr>
+      </p:pic>
+      <p:sp>
+        <p:nvSpPr>
+          <p:cNvPr id="31" name="TextBox 30">
+            <a:extLst>
+              <a:ext uri="{FF2B5EF4-FFF2-40B4-BE49-F238E27FC236}">
+                <a16:creationId xmlns:a16="http://schemas.microsoft.com/office/drawing/2014/main" id="{0D9119C2-34D2-4A53-9ACE-27DB3AED3685}"/>
+              </a:ext>
+            </a:extLst>
+          </p:cNvPr>
+          <p:cNvSpPr txBox="1"/>
+          <p:nvPr/>
+        </p:nvSpPr>
+        <p:spPr>
+          <a:xfrm>
+            <a:off x="1915392" y="4873572"/>
+            <a:ext cx="9908482" cy="646331"/>
+          </a:xfrm>
+          <a:prstGeom prst="rect">
+            <a:avLst/>
+          </a:prstGeom>
+          <a:noFill/>
+        </p:spPr>
+        <p:txBody>
+          <a:bodyPr wrap="none" rtlCol="0">
+            <a:spAutoFit/>
+          </a:bodyPr>
+          <a:lstStyle/>
+          <a:p>
+            <a:pPr marL="285750" indent="-285750">
+              <a:buFontTx/>
+              <a:buChar char="-"/>
+            </a:pPr>
+            <a:r>
+              <a:rPr lang="ko-KR" altLang="en-US" dirty="0"/>
+              <a:t>네이버 </a:t>
+            </a:r>
+            <a:r>
+              <a:rPr lang="en-US" altLang="ko-KR" dirty="0"/>
+              <a:t>API</a:t>
+            </a:r>
+            <a:r>
+              <a:rPr lang="ko-KR" altLang="en-US" dirty="0"/>
+              <a:t>를 통해 지역 검색까지 구현을 하였지만</a:t>
+            </a:r>
+            <a:r>
+              <a:rPr lang="en-US" altLang="ko-KR" dirty="0"/>
+              <a:t>, </a:t>
+            </a:r>
+            <a:r>
+              <a:rPr lang="ko-KR" altLang="en-US" dirty="0"/>
+              <a:t>지역 검색 시 </a:t>
+            </a:r>
+            <a:r>
+              <a:rPr lang="en-US" altLang="ko-KR" dirty="0"/>
+              <a:t>2</a:t>
+            </a:r>
+            <a:r>
+              <a:rPr lang="ko-KR" altLang="en-US" dirty="0"/>
+              <a:t>개 이상의 정보가 나와서</a:t>
+            </a:r>
+            <a:endParaRPr lang="en-US" altLang="ko-KR" dirty="0"/>
+          </a:p>
+          <a:p>
+            <a:r>
+              <a:rPr lang="en-US" altLang="ko-KR" dirty="0"/>
+              <a:t>    </a:t>
+            </a:r>
+            <a:r>
+              <a:rPr lang="ko-KR" altLang="en-US" dirty="0"/>
+              <a:t>불필요에 의한 삭제</a:t>
+            </a:r>
+          </a:p>
+        </p:txBody>
+      </p:sp>
     </p:spTree>
     <p:extLst>
       <p:ext uri="{BB962C8B-B14F-4D97-AF65-F5344CB8AC3E}">
-        <p14:creationId xmlns:p14="http://schemas.microsoft.com/office/powerpoint/2010/main" val="1136315988"/>
+        <p14:creationId xmlns:p14="http://schemas.microsoft.com/office/powerpoint/2010/main" val="1870985498"/>
       </p:ext>
     </p:extLst>
   </p:cSld>
